--- a/folien/grammar.pptx
+++ b/folien/grammar.pptx
@@ -1073,7 +1073,7 @@
         </p:nvSpPr>
         <p:spPr>
           <a:xfrm>
-            <a:off x="381300" y="685800"/>
+            <a:off x="381000" y="685800"/>
             <a:ext cx="6096000" cy="3429000"/>
           </a:xfrm>
           <a:custGeom>
@@ -11145,7 +11145,7 @@
               <a:buNone/>
             </a:pPr>
             <a:r>
-              <a:rPr lang="de" sz="1300" b="1">
+              <a:rPr lang="de" sz="1300" b="1" dirty="0">
                 <a:latin typeface="Roboto Mono"/>
                 <a:ea typeface="Roboto Mono"/>
                 <a:cs typeface="Roboto Mono"/>
@@ -11154,7 +11154,7 @@
               <a:t>grammar</a:t>
             </a:r>
             <a:r>
-              <a:rPr lang="de" sz="1300">
+              <a:rPr lang="de" sz="1300" dirty="0">
                 <a:latin typeface="Roboto Mono"/>
                 <a:ea typeface="Roboto Mono"/>
                 <a:cs typeface="Roboto Mono"/>
@@ -11162,7 +11162,7 @@
               </a:rPr>
               <a:t> SD {</a:t>
             </a:r>
-            <a:endParaRPr sz="1300">
+            <a:endParaRPr sz="1300" dirty="0">
               <a:latin typeface="Roboto Mono"/>
               <a:ea typeface="Roboto Mono"/>
               <a:cs typeface="Roboto Mono"/>
@@ -11179,7 +11179,7 @@
               </a:spcAft>
               <a:buNone/>
             </a:pPr>
-            <a:endParaRPr sz="1300">
+            <a:endParaRPr sz="1300" dirty="0">
               <a:latin typeface="Roboto Mono"/>
               <a:ea typeface="Roboto Mono"/>
               <a:cs typeface="Roboto Mono"/>
@@ -11197,7 +11197,7 @@
               <a:buNone/>
             </a:pPr>
             <a:r>
-              <a:rPr lang="de" sz="1300">
+              <a:rPr lang="de" sz="1300" dirty="0">
                 <a:latin typeface="Roboto Mono"/>
                 <a:ea typeface="Roboto Mono"/>
                 <a:cs typeface="Roboto Mono"/>
@@ -11206,7 +11206,7 @@
               <a:t>  BasicObjectDeclaration </a:t>
             </a:r>
             <a:r>
-              <a:rPr lang="de" sz="1300" b="1">
+              <a:rPr lang="de" sz="1300" b="1" dirty="0">
                 <a:latin typeface="Roboto Mono"/>
                 <a:ea typeface="Roboto Mono"/>
                 <a:cs typeface="Roboto Mono"/>
@@ -11215,7 +11215,7 @@
               <a:t>implements</a:t>
             </a:r>
             <a:r>
-              <a:rPr lang="de" sz="1300">
+              <a:rPr lang="de" sz="1300" dirty="0">
                 <a:latin typeface="Roboto Mono"/>
                 <a:ea typeface="Roboto Mono"/>
                 <a:cs typeface="Roboto Mono"/>
@@ -11223,7 +11223,7 @@
               </a:rPr>
               <a:t> ObjectDeclaration =</a:t>
             </a:r>
-            <a:endParaRPr sz="1300">
+            <a:endParaRPr sz="1300" dirty="0">
               <a:latin typeface="Roboto Mono"/>
               <a:ea typeface="Roboto Mono"/>
               <a:cs typeface="Roboto Mono"/>
@@ -11246,7 +11246,7 @@
               <a:buNone/>
             </a:pPr>
             <a:r>
-              <a:rPr lang="de" sz="1300">
+              <a:rPr lang="de" sz="1300" dirty="0">
                 <a:latin typeface="Roboto Mono"/>
                 <a:ea typeface="Roboto Mono"/>
                 <a:cs typeface="Roboto Mono"/>
@@ -11254,7 +11254,7 @@
               </a:rPr>
               <a:t>    	Name</a:t>
             </a:r>
-            <a:endParaRPr sz="1300">
+            <a:endParaRPr sz="1300" dirty="0">
               <a:latin typeface="Roboto Mono"/>
               <a:ea typeface="Roboto Mono"/>
               <a:cs typeface="Roboto Mono"/>
@@ -11277,7 +11277,7 @@
               <a:buNone/>
             </a:pPr>
             <a:r>
-              <a:rPr lang="de" sz="1300">
+              <a:rPr lang="de" sz="1300" dirty="0">
                 <a:latin typeface="Roboto Mono"/>
                 <a:ea typeface="Roboto Mono"/>
                 <a:cs typeface="Roboto Mono"/>
@@ -11286,7 +11286,7 @@
               <a:t>  </a:t>
             </a:r>
             <a:r>
-              <a:rPr lang="de" sz="1300" b="1">
+              <a:rPr lang="de" sz="1300" b="1" dirty="0">
                 <a:latin typeface="Roboto Mono"/>
                 <a:ea typeface="Roboto Mono"/>
                 <a:cs typeface="Roboto Mono"/>
@@ -11294,7 +11294,7 @@
               </a:rPr>
               <a:t>;</a:t>
             </a:r>
-            <a:endParaRPr sz="1300" b="1">
+            <a:endParaRPr sz="1300" b="1" dirty="0">
               <a:latin typeface="Roboto Mono"/>
               <a:ea typeface="Roboto Mono"/>
               <a:cs typeface="Roboto Mono"/>
@@ -11316,7 +11316,7 @@
               <a:buFont typeface="Arial"/>
               <a:buNone/>
             </a:pPr>
-            <a:endParaRPr sz="1300">
+            <a:endParaRPr sz="1300" dirty="0">
               <a:latin typeface="Roboto Mono"/>
               <a:ea typeface="Roboto Mono"/>
               <a:cs typeface="Roboto Mono"/>
@@ -11339,7 +11339,7 @@
               <a:buNone/>
             </a:pPr>
             <a:r>
-              <a:rPr lang="de" sz="1300">
+              <a:rPr lang="de" sz="1300" dirty="0">
                 <a:latin typeface="Roboto Mono"/>
                 <a:ea typeface="Roboto Mono"/>
                 <a:cs typeface="Roboto Mono"/>
@@ -11348,7 +11348,7 @@
               <a:t>  ConcreteObjectDeclaration </a:t>
             </a:r>
             <a:r>
-              <a:rPr lang="de" sz="1300" b="1">
+              <a:rPr lang="de" sz="1300" b="1" dirty="0">
                 <a:latin typeface="Roboto Mono"/>
                 <a:ea typeface="Roboto Mono"/>
                 <a:cs typeface="Roboto Mono"/>
@@ -11357,7 +11357,7 @@
               <a:t>implements</a:t>
             </a:r>
             <a:r>
-              <a:rPr lang="de" sz="1300">
+              <a:rPr lang="de" sz="1300" dirty="0">
                 <a:latin typeface="Roboto Mono"/>
                 <a:ea typeface="Roboto Mono"/>
                 <a:cs typeface="Roboto Mono"/>
@@ -11365,7 +11365,7 @@
               </a:rPr>
               <a:t> ObjectDeclaration =</a:t>
             </a:r>
-            <a:endParaRPr sz="1300">
+            <a:endParaRPr sz="1300" dirty="0">
               <a:latin typeface="Roboto Mono"/>
               <a:ea typeface="Roboto Mono"/>
               <a:cs typeface="Roboto Mono"/>
@@ -11388,7 +11388,7 @@
               <a:buNone/>
             </a:pPr>
             <a:r>
-              <a:rPr lang="de" sz="1300">
+              <a:rPr lang="de" sz="1300" dirty="0">
                 <a:latin typeface="Roboto Mono"/>
                 <a:ea typeface="Roboto Mono"/>
                 <a:cs typeface="Roboto Mono"/>
@@ -11397,7 +11397,7 @@
               <a:t>    	Name </a:t>
             </a:r>
             <a:r>
-              <a:rPr lang="de" sz="1300">
+              <a:rPr lang="de" sz="1300" dirty="0">
                 <a:solidFill>
                   <a:schemeClr val="accent3"/>
                 </a:solidFill>
@@ -11409,7 +11409,7 @@
               <a:t>":"</a:t>
             </a:r>
             <a:r>
-              <a:rPr lang="de" sz="1300">
+              <a:rPr lang="de" sz="1300" dirty="0">
                 <a:latin typeface="Roboto Mono"/>
                 <a:ea typeface="Roboto Mono"/>
                 <a:cs typeface="Roboto Mono"/>
@@ -11417,7 +11417,7 @@
               </a:rPr>
               <a:t> MCObjectType</a:t>
             </a:r>
-            <a:endParaRPr sz="1300">
+            <a:endParaRPr sz="1300" dirty="0">
               <a:latin typeface="Roboto Mono"/>
               <a:ea typeface="Roboto Mono"/>
               <a:cs typeface="Roboto Mono"/>
@@ -11440,7 +11440,7 @@
               <a:buNone/>
             </a:pPr>
             <a:r>
-              <a:rPr lang="de" sz="1300">
+              <a:rPr lang="de" sz="1300" dirty="0">
                 <a:latin typeface="Roboto Mono"/>
                 <a:ea typeface="Roboto Mono"/>
                 <a:cs typeface="Roboto Mono"/>
@@ -11449,7 +11449,7 @@
               <a:t>  </a:t>
             </a:r>
             <a:r>
-              <a:rPr lang="de" sz="1300" b="1">
+              <a:rPr lang="de" sz="1300" b="1" dirty="0">
                 <a:latin typeface="Roboto Mono"/>
                 <a:ea typeface="Roboto Mono"/>
                 <a:cs typeface="Roboto Mono"/>
@@ -11457,7 +11457,7 @@
               </a:rPr>
               <a:t>;</a:t>
             </a:r>
-            <a:endParaRPr sz="1300" b="1">
+            <a:endParaRPr sz="1300" b="1" dirty="0">
               <a:latin typeface="Roboto Mono"/>
               <a:ea typeface="Roboto Mono"/>
               <a:cs typeface="Roboto Mono"/>
@@ -11479,7 +11479,7 @@
               <a:buFont typeface="Arial"/>
               <a:buNone/>
             </a:pPr>
-            <a:endParaRPr sz="1300">
+            <a:endParaRPr sz="1300" dirty="0">
               <a:latin typeface="Roboto Mono"/>
               <a:ea typeface="Roboto Mono"/>
               <a:cs typeface="Roboto Mono"/>
@@ -11502,7 +11502,7 @@
               <a:buNone/>
             </a:pPr>
             <a:r>
-              <a:rPr lang="de" sz="1300">
+              <a:rPr lang="de" sz="1300" dirty="0">
                 <a:latin typeface="Roboto Mono"/>
                 <a:ea typeface="Roboto Mono"/>
                 <a:cs typeface="Roboto Mono"/>
@@ -11511,7 +11511,7 @@
               <a:t>  AnonymousObjectDeclaration </a:t>
             </a:r>
             <a:r>
-              <a:rPr lang="de" sz="1300" b="1">
+              <a:rPr lang="de" sz="1300" b="1" dirty="0">
                 <a:latin typeface="Roboto Mono"/>
                 <a:ea typeface="Roboto Mono"/>
                 <a:cs typeface="Roboto Mono"/>
@@ -11520,7 +11520,7 @@
               <a:t>implements</a:t>
             </a:r>
             <a:r>
-              <a:rPr lang="de" sz="1300">
+              <a:rPr lang="de" sz="1300" dirty="0">
                 <a:latin typeface="Roboto Mono"/>
                 <a:ea typeface="Roboto Mono"/>
                 <a:cs typeface="Roboto Mono"/>
@@ -11528,7 +11528,7 @@
               </a:rPr>
               <a:t> ObjectDeclaration =</a:t>
             </a:r>
-            <a:endParaRPr sz="1300">
+            <a:endParaRPr sz="1300" dirty="0">
               <a:latin typeface="Roboto Mono"/>
               <a:ea typeface="Roboto Mono"/>
               <a:cs typeface="Roboto Mono"/>
@@ -11551,7 +11551,7 @@
               <a:buNone/>
             </a:pPr>
             <a:r>
-              <a:rPr lang="de" sz="1300">
+              <a:rPr lang="de" sz="1300" dirty="0">
                 <a:latin typeface="Roboto Mono"/>
                 <a:ea typeface="Roboto Mono"/>
                 <a:cs typeface="Roboto Mono"/>
@@ -11560,7 +11560,7 @@
               <a:t>    	</a:t>
             </a:r>
             <a:r>
-              <a:rPr lang="de" sz="1300">
+              <a:rPr lang="de" sz="1300" dirty="0">
                 <a:solidFill>
                   <a:schemeClr val="accent3"/>
                 </a:solidFill>
@@ -11572,16 +11572,276 @@
               <a:t>":"</a:t>
             </a:r>
             <a:r>
-              <a:rPr lang="de" sz="1300">
-                <a:latin typeface="Roboto Mono"/>
-                <a:ea typeface="Roboto Mono"/>
-                <a:cs typeface="Roboto Mono"/>
-                <a:sym typeface="Roboto Mono"/>
-              </a:rPr>
-              <a:t> Name </a:t>
-            </a:r>
-            <a:r>
-              <a:rPr lang="de" sz="1300">
+              <a:rPr lang="de" sz="1300" dirty="0">
+                <a:latin typeface="Roboto Mono"/>
+                <a:ea typeface="Roboto Mono"/>
+                <a:cs typeface="Roboto Mono"/>
+                <a:sym typeface="Roboto Mono"/>
+              </a:rPr>
+              <a:t> </a:t>
+            </a:r>
+            <a:r>
+              <a:rPr lang="de" sz="1300" dirty="0">
+                <a:solidFill>
+                  <a:schemeClr val="tx1"/>
+                </a:solidFill>
+                <a:latin typeface="Roboto Mono"/>
+                <a:ea typeface="Roboto Mono"/>
+                <a:cs typeface="Roboto Mono"/>
+                <a:sym typeface="Roboto Mono"/>
+              </a:rPr>
+              <a:t>MCObjectType</a:t>
+            </a:r>
+            <a:endParaRPr sz="1300" dirty="0">
+              <a:solidFill>
+                <a:schemeClr val="tx1"/>
+              </a:solidFill>
+              <a:latin typeface="Roboto Mono"/>
+              <a:ea typeface="Roboto Mono"/>
+              <a:cs typeface="Roboto Mono"/>
+              <a:sym typeface="Roboto Mono"/>
+            </a:endParaRPr>
+          </a:p>
+          <a:p>
+            <a:pPr marL="0" marR="0" lvl="0" indent="0" algn="l" rtl="0">
+              <a:spcBef>
+                <a:spcPts val="0"/>
+              </a:spcBef>
+              <a:spcAft>
+                <a:spcPts val="0"/>
+              </a:spcAft>
+              <a:buClr>
+                <a:schemeClr val="dk1"/>
+              </a:buClr>
+              <a:buSzPts val="1100"/>
+              <a:buFont typeface="Arial"/>
+              <a:buNone/>
+            </a:pPr>
+            <a:r>
+              <a:rPr lang="de" sz="1300" dirty="0">
+                <a:latin typeface="Roboto Mono"/>
+                <a:ea typeface="Roboto Mono"/>
+                <a:cs typeface="Roboto Mono"/>
+                <a:sym typeface="Roboto Mono"/>
+              </a:rPr>
+              <a:t>  </a:t>
+            </a:r>
+            <a:r>
+              <a:rPr lang="de" sz="1300" b="1" dirty="0">
+                <a:latin typeface="Roboto Mono"/>
+                <a:ea typeface="Roboto Mono"/>
+                <a:cs typeface="Roboto Mono"/>
+                <a:sym typeface="Roboto Mono"/>
+              </a:rPr>
+              <a:t>;</a:t>
+            </a:r>
+            <a:endParaRPr sz="1300" b="1" dirty="0">
+              <a:latin typeface="Roboto Mono"/>
+              <a:ea typeface="Roboto Mono"/>
+              <a:cs typeface="Roboto Mono"/>
+              <a:sym typeface="Roboto Mono"/>
+            </a:endParaRPr>
+          </a:p>
+          <a:p>
+            <a:pPr marL="0" marR="0" lvl="0" indent="0" algn="l" rtl="0">
+              <a:spcBef>
+                <a:spcPts val="0"/>
+              </a:spcBef>
+              <a:spcAft>
+                <a:spcPts val="0"/>
+              </a:spcAft>
+              <a:buClr>
+                <a:schemeClr val="dk1"/>
+              </a:buClr>
+              <a:buSzPts val="1100"/>
+              <a:buFont typeface="Arial"/>
+              <a:buNone/>
+            </a:pPr>
+            <a:endParaRPr sz="1300" dirty="0">
+              <a:latin typeface="Roboto Mono"/>
+              <a:ea typeface="Roboto Mono"/>
+              <a:cs typeface="Roboto Mono"/>
+              <a:sym typeface="Roboto Mono"/>
+            </a:endParaRPr>
+          </a:p>
+          <a:p>
+            <a:pPr marL="0" marR="0" lvl="0" indent="0" algn="l" rtl="0">
+              <a:spcBef>
+                <a:spcPts val="0"/>
+              </a:spcBef>
+              <a:spcAft>
+                <a:spcPts val="0"/>
+              </a:spcAft>
+              <a:buClr>
+                <a:schemeClr val="dk1"/>
+              </a:buClr>
+              <a:buSzPts val="1100"/>
+              <a:buFont typeface="Arial"/>
+              <a:buNone/>
+            </a:pPr>
+            <a:r>
+              <a:rPr lang="de" sz="1300" dirty="0">
+                <a:latin typeface="Roboto Mono"/>
+                <a:ea typeface="Roboto Mono"/>
+                <a:cs typeface="Roboto Mono"/>
+                <a:sym typeface="Roboto Mono"/>
+              </a:rPr>
+              <a:t>  ClassObjectDeclaration </a:t>
+            </a:r>
+            <a:r>
+              <a:rPr lang="de" sz="1300" b="1" dirty="0">
+                <a:latin typeface="Roboto Mono"/>
+                <a:ea typeface="Roboto Mono"/>
+                <a:cs typeface="Roboto Mono"/>
+                <a:sym typeface="Roboto Mono"/>
+              </a:rPr>
+              <a:t>implements</a:t>
+            </a:r>
+            <a:r>
+              <a:rPr lang="de" sz="1300" dirty="0">
+                <a:latin typeface="Roboto Mono"/>
+                <a:ea typeface="Roboto Mono"/>
+                <a:cs typeface="Roboto Mono"/>
+                <a:sym typeface="Roboto Mono"/>
+              </a:rPr>
+              <a:t> ObjectDeclaration =</a:t>
+            </a:r>
+            <a:endParaRPr sz="1300" dirty="0">
+              <a:latin typeface="Roboto Mono"/>
+              <a:ea typeface="Roboto Mono"/>
+              <a:cs typeface="Roboto Mono"/>
+              <a:sym typeface="Roboto Mono"/>
+            </a:endParaRPr>
+          </a:p>
+          <a:p>
+            <a:pPr marL="0" marR="0" lvl="0" indent="0" algn="l" rtl="0">
+              <a:spcBef>
+                <a:spcPts val="0"/>
+              </a:spcBef>
+              <a:spcAft>
+                <a:spcPts val="0"/>
+              </a:spcAft>
+              <a:buClr>
+                <a:schemeClr val="dk1"/>
+              </a:buClr>
+              <a:buSzPts val="1100"/>
+              <a:buFont typeface="Arial"/>
+              <a:buNone/>
+            </a:pPr>
+            <a:r>
+              <a:rPr lang="de" sz="1300" dirty="0">
+                <a:latin typeface="Roboto Mono"/>
+                <a:ea typeface="Roboto Mono"/>
+                <a:cs typeface="Roboto Mono"/>
+                <a:sym typeface="Roboto Mono"/>
+              </a:rPr>
+              <a:t>    	</a:t>
+            </a:r>
+            <a:r>
+              <a:rPr lang="de" sz="1300" dirty="0">
+                <a:solidFill>
+                  <a:schemeClr val="accent3"/>
+                </a:solidFill>
+                <a:latin typeface="Roboto Mono"/>
+                <a:ea typeface="Roboto Mono"/>
+                <a:cs typeface="Roboto Mono"/>
+                <a:sym typeface="Roboto Mono"/>
+              </a:rPr>
+              <a:t>"class"</a:t>
+            </a:r>
+            <a:r>
+              <a:rPr lang="de" sz="1300" dirty="0">
+                <a:latin typeface="Roboto Mono"/>
+                <a:ea typeface="Roboto Mono"/>
+                <a:cs typeface="Roboto Mono"/>
+                <a:sym typeface="Roboto Mono"/>
+              </a:rPr>
+              <a:t> </a:t>
+            </a:r>
+            <a:r>
+              <a:rPr lang="de" sz="1300" dirty="0">
+                <a:solidFill>
+                  <a:schemeClr val="tx1"/>
+                </a:solidFill>
+                <a:latin typeface="Roboto Mono"/>
+                <a:ea typeface="Roboto Mono"/>
+                <a:cs typeface="Roboto Mono"/>
+                <a:sym typeface="Roboto Mono"/>
+              </a:rPr>
+              <a:t>MCObjectType</a:t>
+            </a:r>
+            <a:endParaRPr sz="1300" dirty="0">
+              <a:solidFill>
+                <a:schemeClr val="tx1"/>
+              </a:solidFill>
+              <a:latin typeface="Roboto Mono"/>
+              <a:ea typeface="Roboto Mono"/>
+              <a:cs typeface="Roboto Mono"/>
+              <a:sym typeface="Roboto Mono"/>
+            </a:endParaRPr>
+          </a:p>
+          <a:p>
+            <a:pPr marL="0" marR="0" lvl="0" indent="0" algn="l" rtl="0">
+              <a:spcBef>
+                <a:spcPts val="0"/>
+              </a:spcBef>
+              <a:spcAft>
+                <a:spcPts val="0"/>
+              </a:spcAft>
+              <a:buNone/>
+            </a:pPr>
+            <a:r>
+              <a:rPr lang="de" sz="1300" dirty="0">
+                <a:latin typeface="Roboto Mono"/>
+                <a:ea typeface="Roboto Mono"/>
+                <a:cs typeface="Roboto Mono"/>
+                <a:sym typeface="Roboto Mono"/>
+              </a:rPr>
+              <a:t>  </a:t>
+            </a:r>
+            <a:r>
+              <a:rPr lang="de" sz="1300" b="1" dirty="0">
+                <a:latin typeface="Roboto Mono"/>
+                <a:ea typeface="Roboto Mono"/>
+                <a:cs typeface="Roboto Mono"/>
+                <a:sym typeface="Roboto Mono"/>
+              </a:rPr>
+              <a:t>;</a:t>
+            </a:r>
+            <a:r>
+              <a:rPr lang="de" sz="1300" dirty="0">
+                <a:solidFill>
+                  <a:schemeClr val="accent3"/>
+                </a:solidFill>
+                <a:latin typeface="Roboto Mono"/>
+                <a:ea typeface="Roboto Mono"/>
+                <a:cs typeface="Roboto Mono"/>
+                <a:sym typeface="Roboto Mono"/>
+              </a:rPr>
+              <a:t>  </a:t>
+            </a:r>
+            <a:endParaRPr sz="1300" dirty="0">
+              <a:solidFill>
+                <a:schemeClr val="accent3"/>
+              </a:solidFill>
+              <a:latin typeface="Roboto Mono"/>
+              <a:ea typeface="Roboto Mono"/>
+              <a:cs typeface="Roboto Mono"/>
+              <a:sym typeface="Roboto Mono"/>
+            </a:endParaRPr>
+          </a:p>
+          <a:p>
+            <a:pPr marL="0" marR="0" lvl="0" indent="0" algn="l" rtl="0">
+              <a:spcBef>
+                <a:spcPts val="0"/>
+              </a:spcBef>
+              <a:spcAft>
+                <a:spcPts val="0"/>
+              </a:spcAft>
+              <a:buNone/>
+            </a:pPr>
+            <a:r>
+              <a:rPr lang="de" sz="1300" dirty="0">
                 <a:solidFill>
                   <a:srgbClr val="666666"/>
                 </a:solidFill>
@@ -11590,9 +11850,9 @@
                 <a:cs typeface="Roboto Mono"/>
                 <a:sym typeface="Roboto Mono"/>
               </a:rPr>
-              <a:t>// ":" MCObjectType</a:t>
-            </a:r>
-            <a:endParaRPr sz="1300">
+              <a:t>  // ...</a:t>
+            </a:r>
+            <a:endParaRPr sz="1300" dirty="0">
               <a:solidFill>
                 <a:srgbClr val="666666"/>
               </a:solidFill>
@@ -11610,270 +11870,10 @@
               <a:spcAft>
                 <a:spcPts val="0"/>
               </a:spcAft>
-              <a:buClr>
-                <a:schemeClr val="dk1"/>
-              </a:buClr>
-              <a:buSzPts val="1100"/>
-              <a:buFont typeface="Arial"/>
-              <a:buNone/>
-            </a:pPr>
-            <a:r>
-              <a:rPr lang="de" sz="1300">
-                <a:latin typeface="Roboto Mono"/>
-                <a:ea typeface="Roboto Mono"/>
-                <a:cs typeface="Roboto Mono"/>
-                <a:sym typeface="Roboto Mono"/>
-              </a:rPr>
-              <a:t>  </a:t>
-            </a:r>
-            <a:r>
-              <a:rPr lang="de" sz="1300" b="1">
-                <a:latin typeface="Roboto Mono"/>
-                <a:ea typeface="Roboto Mono"/>
-                <a:cs typeface="Roboto Mono"/>
-                <a:sym typeface="Roboto Mono"/>
-              </a:rPr>
-              <a:t>;</a:t>
-            </a:r>
-            <a:endParaRPr sz="1300" b="1">
-              <a:latin typeface="Roboto Mono"/>
-              <a:ea typeface="Roboto Mono"/>
-              <a:cs typeface="Roboto Mono"/>
-              <a:sym typeface="Roboto Mono"/>
-            </a:endParaRPr>
-          </a:p>
-          <a:p>
-            <a:pPr marL="0" marR="0" lvl="0" indent="0" algn="l" rtl="0">
-              <a:spcBef>
-                <a:spcPts val="0"/>
-              </a:spcBef>
-              <a:spcAft>
-                <a:spcPts val="0"/>
-              </a:spcAft>
-              <a:buClr>
-                <a:schemeClr val="dk1"/>
-              </a:buClr>
-              <a:buSzPts val="1100"/>
-              <a:buFont typeface="Arial"/>
-              <a:buNone/>
-            </a:pPr>
-            <a:endParaRPr sz="1300">
-              <a:latin typeface="Roboto Mono"/>
-              <a:ea typeface="Roboto Mono"/>
-              <a:cs typeface="Roboto Mono"/>
-              <a:sym typeface="Roboto Mono"/>
-            </a:endParaRPr>
-          </a:p>
-          <a:p>
-            <a:pPr marL="0" marR="0" lvl="0" indent="0" algn="l" rtl="0">
-              <a:spcBef>
-                <a:spcPts val="0"/>
-              </a:spcBef>
-              <a:spcAft>
-                <a:spcPts val="0"/>
-              </a:spcAft>
-              <a:buClr>
-                <a:schemeClr val="dk1"/>
-              </a:buClr>
-              <a:buSzPts val="1100"/>
-              <a:buFont typeface="Arial"/>
-              <a:buNone/>
-            </a:pPr>
-            <a:r>
-              <a:rPr lang="de" sz="1300">
-                <a:latin typeface="Roboto Mono"/>
-                <a:ea typeface="Roboto Mono"/>
-                <a:cs typeface="Roboto Mono"/>
-                <a:sym typeface="Roboto Mono"/>
-              </a:rPr>
-              <a:t>  ClassObjectDeclaration </a:t>
-            </a:r>
-            <a:r>
-              <a:rPr lang="de" sz="1300" b="1">
-                <a:latin typeface="Roboto Mono"/>
-                <a:ea typeface="Roboto Mono"/>
-                <a:cs typeface="Roboto Mono"/>
-                <a:sym typeface="Roboto Mono"/>
-              </a:rPr>
-              <a:t>implements</a:t>
-            </a:r>
-            <a:r>
-              <a:rPr lang="de" sz="1300">
-                <a:latin typeface="Roboto Mono"/>
-                <a:ea typeface="Roboto Mono"/>
-                <a:cs typeface="Roboto Mono"/>
-                <a:sym typeface="Roboto Mono"/>
-              </a:rPr>
-              <a:t> ObjectDeclaration =</a:t>
-            </a:r>
-            <a:endParaRPr sz="1300">
-              <a:latin typeface="Roboto Mono"/>
-              <a:ea typeface="Roboto Mono"/>
-              <a:cs typeface="Roboto Mono"/>
-              <a:sym typeface="Roboto Mono"/>
-            </a:endParaRPr>
-          </a:p>
-          <a:p>
-            <a:pPr marL="0" marR="0" lvl="0" indent="0" algn="l" rtl="0">
-              <a:spcBef>
-                <a:spcPts val="0"/>
-              </a:spcBef>
-              <a:spcAft>
-                <a:spcPts val="0"/>
-              </a:spcAft>
-              <a:buClr>
-                <a:schemeClr val="dk1"/>
-              </a:buClr>
-              <a:buSzPts val="1100"/>
-              <a:buFont typeface="Arial"/>
-              <a:buNone/>
-            </a:pPr>
-            <a:r>
-              <a:rPr lang="de" sz="1300">
-                <a:latin typeface="Roboto Mono"/>
-                <a:ea typeface="Roboto Mono"/>
-                <a:cs typeface="Roboto Mono"/>
-                <a:sym typeface="Roboto Mono"/>
-              </a:rPr>
-              <a:t>    	</a:t>
-            </a:r>
-            <a:r>
-              <a:rPr lang="de" sz="1300">
-                <a:solidFill>
-                  <a:schemeClr val="accent3"/>
-                </a:solidFill>
-                <a:latin typeface="Roboto Mono"/>
-                <a:ea typeface="Roboto Mono"/>
-                <a:cs typeface="Roboto Mono"/>
-                <a:sym typeface="Roboto Mono"/>
-              </a:rPr>
-              <a:t>"class"</a:t>
-            </a:r>
-            <a:r>
-              <a:rPr lang="de" sz="1300">
-                <a:latin typeface="Roboto Mono"/>
-                <a:ea typeface="Roboto Mono"/>
-                <a:cs typeface="Roboto Mono"/>
-                <a:sym typeface="Roboto Mono"/>
-              </a:rPr>
-              <a:t> Name </a:t>
-            </a:r>
-            <a:r>
-              <a:rPr lang="de" sz="1300">
-                <a:solidFill>
-                  <a:srgbClr val="666666"/>
-                </a:solidFill>
-                <a:latin typeface="Roboto Mono"/>
-                <a:ea typeface="Roboto Mono"/>
-                <a:cs typeface="Roboto Mono"/>
-                <a:sym typeface="Roboto Mono"/>
-              </a:rPr>
-              <a:t>// "class" MCObjectType</a:t>
-            </a:r>
-            <a:endParaRPr sz="1300">
-              <a:solidFill>
-                <a:srgbClr val="666666"/>
-              </a:solidFill>
-              <a:latin typeface="Roboto Mono"/>
-              <a:ea typeface="Roboto Mono"/>
-              <a:cs typeface="Roboto Mono"/>
-              <a:sym typeface="Roboto Mono"/>
-            </a:endParaRPr>
-          </a:p>
-          <a:p>
-            <a:pPr marL="0" marR="0" lvl="0" indent="0" algn="l" rtl="0">
-              <a:spcBef>
-                <a:spcPts val="0"/>
-              </a:spcBef>
-              <a:spcAft>
-                <a:spcPts val="0"/>
-              </a:spcAft>
-              <a:buNone/>
-            </a:pPr>
-            <a:r>
-              <a:rPr lang="de" sz="1300">
-                <a:latin typeface="Roboto Mono"/>
-                <a:ea typeface="Roboto Mono"/>
-                <a:cs typeface="Roboto Mono"/>
-                <a:sym typeface="Roboto Mono"/>
-              </a:rPr>
-              <a:t>  </a:t>
-            </a:r>
-            <a:r>
-              <a:rPr lang="de" sz="1300" b="1">
-                <a:latin typeface="Roboto Mono"/>
-                <a:ea typeface="Roboto Mono"/>
-                <a:cs typeface="Roboto Mono"/>
-                <a:sym typeface="Roboto Mono"/>
-              </a:rPr>
-              <a:t>;</a:t>
-            </a:r>
-            <a:r>
-              <a:rPr lang="de" sz="1300">
-                <a:solidFill>
-                  <a:schemeClr val="accent3"/>
-                </a:solidFill>
-                <a:latin typeface="Roboto Mono"/>
-                <a:ea typeface="Roboto Mono"/>
-                <a:cs typeface="Roboto Mono"/>
-                <a:sym typeface="Roboto Mono"/>
-              </a:rPr>
-              <a:t>  </a:t>
-            </a:r>
-            <a:endParaRPr sz="1300">
-              <a:solidFill>
-                <a:schemeClr val="accent3"/>
-              </a:solidFill>
-              <a:latin typeface="Roboto Mono"/>
-              <a:ea typeface="Roboto Mono"/>
-              <a:cs typeface="Roboto Mono"/>
-              <a:sym typeface="Roboto Mono"/>
-            </a:endParaRPr>
-          </a:p>
-          <a:p>
-            <a:pPr marL="0" marR="0" lvl="0" indent="0" algn="l" rtl="0">
-              <a:spcBef>
-                <a:spcPts val="0"/>
-              </a:spcBef>
-              <a:spcAft>
-                <a:spcPts val="0"/>
-              </a:spcAft>
-              <a:buNone/>
-            </a:pPr>
-            <a:r>
-              <a:rPr lang="de" sz="1300">
-                <a:solidFill>
-                  <a:srgbClr val="666666"/>
-                </a:solidFill>
-                <a:latin typeface="Roboto Mono"/>
-                <a:ea typeface="Roboto Mono"/>
-                <a:cs typeface="Roboto Mono"/>
-                <a:sym typeface="Roboto Mono"/>
-              </a:rPr>
-              <a:t>  // ...</a:t>
-            </a:r>
-            <a:endParaRPr sz="1300">
-              <a:solidFill>
-                <a:srgbClr val="666666"/>
-              </a:solidFill>
-              <a:latin typeface="Roboto Mono"/>
-              <a:ea typeface="Roboto Mono"/>
-              <a:cs typeface="Roboto Mono"/>
-              <a:sym typeface="Roboto Mono"/>
-            </a:endParaRPr>
-          </a:p>
-          <a:p>
-            <a:pPr marL="0" marR="0" lvl="0" indent="0" algn="l" rtl="0">
-              <a:spcBef>
-                <a:spcPts val="0"/>
-              </a:spcBef>
-              <a:spcAft>
-                <a:spcPts val="0"/>
-              </a:spcAft>
-              <a:buNone/>
-            </a:pPr>
-            <a:r>
-              <a:rPr lang="de" sz="1300">
+              <a:buNone/>
+            </a:pPr>
+            <a:r>
+              <a:rPr lang="de" sz="1300" dirty="0">
                 <a:latin typeface="Roboto Mono"/>
                 <a:ea typeface="Roboto Mono"/>
                 <a:cs typeface="Roboto Mono"/>
@@ -11881,7 +11881,7 @@
               </a:rPr>
               <a:t>}</a:t>
             </a:r>
-            <a:endParaRPr sz="1300">
+            <a:endParaRPr sz="1300" dirty="0">
               <a:latin typeface="Roboto Mono"/>
               <a:ea typeface="Roboto Mono"/>
               <a:cs typeface="Roboto Mono"/>
@@ -11926,18 +11926,18 @@
               <a:buChar char="●"/>
             </a:pPr>
             <a:r>
-              <a:rPr lang="de" sz="1300"/>
+              <a:rPr lang="de" sz="1300" dirty="0"/>
               <a:t>Erweiterbarkeit der </a:t>
             </a:r>
             <a:r>
-              <a:rPr lang="de" sz="1300">
+              <a:rPr lang="de" sz="1300" dirty="0">
                 <a:solidFill>
                   <a:srgbClr val="00549F"/>
                 </a:solidFill>
               </a:rPr>
               <a:t>Objekt-Deklarationen</a:t>
             </a:r>
-            <a:endParaRPr sz="1300">
+            <a:endParaRPr sz="1300" dirty="0">
               <a:solidFill>
                 <a:srgbClr val="00549F"/>
               </a:solidFill>
@@ -11953,7 +11953,7 @@
               </a:spcAft>
               <a:buNone/>
             </a:pPr>
-            <a:endParaRPr sz="1300">
+            <a:endParaRPr sz="1300" dirty="0">
               <a:solidFill>
                 <a:srgbClr val="00549F"/>
               </a:solidFill>
@@ -11974,34 +11974,33 @@
               <a:buChar char="●"/>
             </a:pPr>
             <a:r>
-              <a:rPr lang="de" sz="1300">
+              <a:rPr lang="de" sz="1300" dirty="0">
                 <a:solidFill>
                   <a:srgbClr val="000000"/>
                 </a:solidFill>
               </a:rPr>
               <a:t>Jede Objekt-Deklaration induziert ein Symbol</a:t>
             </a:r>
-            <a:endParaRPr sz="1300">
+            <a:endParaRPr sz="1300" dirty="0">
               <a:solidFill>
                 <a:srgbClr val="000000"/>
               </a:solidFill>
             </a:endParaRPr>
           </a:p>
           <a:p>
-            <a:pPr marL="0" lvl="0" indent="0" algn="l" rtl="0">
-              <a:spcBef>
-                <a:spcPts val="0"/>
-              </a:spcBef>
-              <a:spcAft>
-                <a:spcPts val="0"/>
-              </a:spcAft>
-              <a:buNone/>
-            </a:pPr>
-            <a:endParaRPr sz="1300">
-              <a:solidFill>
-                <a:srgbClr val="000000"/>
-              </a:solidFill>
-            </a:endParaRPr>
+            <a:pPr marL="457200" lvl="0" indent="0" algn="l" rtl="0">
+              <a:lnSpc>
+                <a:spcPct val="115000"/>
+              </a:lnSpc>
+              <a:spcBef>
+                <a:spcPts val="0"/>
+              </a:spcBef>
+              <a:spcAft>
+                <a:spcPts val="0"/>
+              </a:spcAft>
+              <a:buNone/>
+            </a:pPr>
+            <a:endParaRPr sz="1300" dirty="0"/>
           </a:p>
           <a:p>
             <a:pPr marL="457200" lvl="0" indent="-311150" algn="l" rtl="0">
@@ -12014,127 +12013,14 @@
               <a:spcAft>
                 <a:spcPts val="0"/>
               </a:spcAft>
-              <a:buClr>
-                <a:schemeClr val="dk1"/>
-              </a:buClr>
               <a:buSzPts val="1300"/>
               <a:buChar char="●"/>
             </a:pPr>
             <a:r>
-              <a:rPr lang="de" sz="1300"/>
-              <a:t>Erlauben wir nur </a:t>
-            </a:r>
-            <a:endParaRPr sz="1300"/>
-          </a:p>
-          <a:p>
-            <a:pPr marL="457200" lvl="0" indent="0" algn="l" rtl="0">
-              <a:lnSpc>
-                <a:spcPct val="115000"/>
-              </a:lnSpc>
-              <a:spcBef>
-                <a:spcPts val="0"/>
-              </a:spcBef>
-              <a:spcAft>
-                <a:spcPts val="0"/>
-              </a:spcAft>
-              <a:buNone/>
-            </a:pPr>
-            <a:r>
-              <a:rPr lang="de" sz="1300">
-                <a:latin typeface="Roboto Mono"/>
-                <a:ea typeface="Roboto Mono"/>
-                <a:cs typeface="Roboto Mono"/>
-                <a:sym typeface="Roboto Mono"/>
-              </a:rPr>
-              <a:t>:C</a:t>
-            </a:r>
-            <a:r>
-              <a:rPr lang="de" sz="1300"/>
-              <a:t>         (Name)</a:t>
-            </a:r>
-            <a:endParaRPr sz="1300"/>
-          </a:p>
-          <a:p>
-            <a:pPr marL="457200" lvl="0" indent="0" algn="l" rtl="0">
-              <a:lnSpc>
-                <a:spcPct val="115000"/>
-              </a:lnSpc>
-              <a:spcBef>
-                <a:spcPts val="0"/>
-              </a:spcBef>
-              <a:spcAft>
-                <a:spcPts val="0"/>
-              </a:spcAft>
-              <a:buNone/>
-            </a:pPr>
-            <a:r>
-              <a:rPr lang="de" sz="1300"/>
-              <a:t>oder auch </a:t>
-            </a:r>
-            <a:endParaRPr sz="1300"/>
-          </a:p>
-          <a:p>
-            <a:pPr marL="457200" lvl="0" indent="0" algn="l" rtl="0">
-              <a:lnSpc>
-                <a:spcPct val="115000"/>
-              </a:lnSpc>
-              <a:spcBef>
-                <a:spcPts val="0"/>
-              </a:spcBef>
-              <a:spcAft>
-                <a:spcPts val="0"/>
-              </a:spcAft>
-              <a:buNone/>
-            </a:pPr>
-            <a:r>
-              <a:rPr lang="de" sz="1300">
-                <a:latin typeface="Roboto Mono"/>
-                <a:ea typeface="Roboto Mono"/>
-                <a:cs typeface="Roboto Mono"/>
-                <a:sym typeface="Roboto Mono"/>
-              </a:rPr>
-              <a:t>:de.C  (MCObjectType)</a:t>
-            </a:r>
-            <a:r>
-              <a:rPr lang="de" sz="1300"/>
-              <a:t>?</a:t>
-            </a:r>
-            <a:endParaRPr sz="1300"/>
-          </a:p>
-          <a:p>
-            <a:pPr marL="457200" lvl="0" indent="0" algn="l" rtl="0">
-              <a:lnSpc>
-                <a:spcPct val="115000"/>
-              </a:lnSpc>
-              <a:spcBef>
-                <a:spcPts val="0"/>
-              </a:spcBef>
-              <a:spcAft>
-                <a:spcPts val="0"/>
-              </a:spcAft>
-              <a:buNone/>
-            </a:pPr>
-            <a:endParaRPr sz="1300"/>
-          </a:p>
-          <a:p>
-            <a:pPr marL="457200" lvl="0" indent="-311150" algn="l" rtl="0">
-              <a:lnSpc>
-                <a:spcPct val="115000"/>
-              </a:lnSpc>
-              <a:spcBef>
-                <a:spcPts val="0"/>
-              </a:spcBef>
-              <a:spcAft>
-                <a:spcPts val="0"/>
-              </a:spcAft>
-              <a:buSzPts val="1300"/>
-              <a:buChar char="●"/>
-            </a:pPr>
-            <a:r>
-              <a:rPr lang="de" sz="1300"/>
+              <a:rPr lang="de" sz="1300" dirty="0"/>
               <a:t>Zwei anonyme Objekte des gleichen Typs verboten?</a:t>
             </a:r>
-            <a:endParaRPr sz="1300"/>
+            <a:endParaRPr sz="1300" dirty="0"/>
           </a:p>
         </p:txBody>
       </p:sp>

--- a/folien/grammar.pptx
+++ b/folien/grammar.pptx
@@ -1281,7 +1281,7 @@
         </p:nvSpPr>
         <p:spPr>
           <a:xfrm>
-            <a:off x="381300" y="685800"/>
+            <a:off x="381000" y="685800"/>
             <a:ext cx="6096000" cy="3429000"/>
           </a:xfrm>
           <a:custGeom>
@@ -1697,7 +1697,7 @@
         </p:nvSpPr>
         <p:spPr>
           <a:xfrm>
-            <a:off x="381300" y="685800"/>
+            <a:off x="381000" y="685800"/>
             <a:ext cx="6096000" cy="3429000"/>
           </a:xfrm>
           <a:custGeom>
@@ -11959,69 +11959,6 @@
               </a:solidFill>
             </a:endParaRPr>
           </a:p>
-          <a:p>
-            <a:pPr marL="457200" lvl="0" indent="-311150" algn="l" rtl="0">
-              <a:spcBef>
-                <a:spcPts val="0"/>
-              </a:spcBef>
-              <a:spcAft>
-                <a:spcPts val="0"/>
-              </a:spcAft>
-              <a:buClr>
-                <a:srgbClr val="00549F"/>
-              </a:buClr>
-              <a:buSzPts val="1300"/>
-              <a:buChar char="●"/>
-            </a:pPr>
-            <a:r>
-              <a:rPr lang="de" sz="1300" dirty="0">
-                <a:solidFill>
-                  <a:srgbClr val="000000"/>
-                </a:solidFill>
-              </a:rPr>
-              <a:t>Jede Objekt-Deklaration induziert ein Symbol</a:t>
-            </a:r>
-            <a:endParaRPr sz="1300" dirty="0">
-              <a:solidFill>
-                <a:srgbClr val="000000"/>
-              </a:solidFill>
-            </a:endParaRPr>
-          </a:p>
-          <a:p>
-            <a:pPr marL="457200" lvl="0" indent="0" algn="l" rtl="0">
-              <a:lnSpc>
-                <a:spcPct val="115000"/>
-              </a:lnSpc>
-              <a:spcBef>
-                <a:spcPts val="0"/>
-              </a:spcBef>
-              <a:spcAft>
-                <a:spcPts val="0"/>
-              </a:spcAft>
-              <a:buNone/>
-            </a:pPr>
-            <a:endParaRPr sz="1300" dirty="0"/>
-          </a:p>
-          <a:p>
-            <a:pPr marL="457200" lvl="0" indent="-311150" algn="l" rtl="0">
-              <a:lnSpc>
-                <a:spcPct val="115000"/>
-              </a:lnSpc>
-              <a:spcBef>
-                <a:spcPts val="0"/>
-              </a:spcBef>
-              <a:spcAft>
-                <a:spcPts val="0"/>
-              </a:spcAft>
-              <a:buSzPts val="1300"/>
-              <a:buChar char="●"/>
-            </a:pPr>
-            <a:r>
-              <a:rPr lang="de" sz="1300" dirty="0"/>
-              <a:t>Zwei anonyme Objekte des gleichen Typs verboten?</a:t>
-            </a:r>
-            <a:endParaRPr sz="1300" dirty="0"/>
-          </a:p>
         </p:txBody>
       </p:sp>
     </p:spTree>
@@ -12953,7 +12890,7 @@
               <a:buNone/>
             </a:pPr>
             <a:r>
-              <a:rPr lang="de" sz="1300" b="1">
+              <a:rPr lang="de" sz="1300" b="1" dirty="0">
                 <a:latin typeface="Roboto Mono"/>
                 <a:ea typeface="Roboto Mono"/>
                 <a:cs typeface="Roboto Mono"/>
@@ -12962,7 +12899,7 @@
               <a:t>grammar</a:t>
             </a:r>
             <a:r>
-              <a:rPr lang="de" sz="1300">
+              <a:rPr lang="de" sz="1300" dirty="0">
                 <a:latin typeface="Roboto Mono"/>
                 <a:ea typeface="Roboto Mono"/>
                 <a:cs typeface="Roboto Mono"/>
@@ -12970,7 +12907,7 @@
               </a:rPr>
               <a:t> SD {</a:t>
             </a:r>
-            <a:endParaRPr sz="1300">
+            <a:endParaRPr sz="1300" dirty="0">
               <a:latin typeface="Roboto Mono"/>
               <a:ea typeface="Roboto Mono"/>
               <a:cs typeface="Roboto Mono"/>
@@ -12987,7 +12924,7 @@
               </a:spcAft>
               <a:buNone/>
             </a:pPr>
-            <a:endParaRPr sz="1300">
+            <a:endParaRPr sz="1300" dirty="0">
               <a:latin typeface="Roboto Mono"/>
               <a:ea typeface="Roboto Mono"/>
               <a:cs typeface="Roboto Mono"/>
@@ -13005,7 +12942,7 @@
               <a:buNone/>
             </a:pPr>
             <a:r>
-              <a:rPr lang="de" sz="1300">
+              <a:rPr lang="de" sz="1300" dirty="0">
                 <a:latin typeface="Roboto Mono"/>
                 <a:ea typeface="Roboto Mono"/>
                 <a:cs typeface="Roboto Mono"/>
@@ -13014,7 +12951,7 @@
               <a:t>  MethodAction </a:t>
             </a:r>
             <a:r>
-              <a:rPr lang="de" sz="1300" b="1">
+              <a:rPr lang="de" sz="1300" b="1" dirty="0">
                 <a:latin typeface="Roboto Mono"/>
                 <a:ea typeface="Roboto Mono"/>
                 <a:cs typeface="Roboto Mono"/>
@@ -13023,7 +12960,7 @@
               <a:t>implements</a:t>
             </a:r>
             <a:r>
-              <a:rPr lang="de" sz="1300">
+              <a:rPr lang="de" sz="1300" dirty="0">
                 <a:latin typeface="Roboto Mono"/>
                 <a:ea typeface="Roboto Mono"/>
                 <a:cs typeface="Roboto Mono"/>
@@ -13031,7 +12968,7 @@
               </a:rPr>
               <a:t> Action =</a:t>
             </a:r>
-            <a:endParaRPr sz="1300">
+            <a:endParaRPr sz="1300" dirty="0">
               <a:latin typeface="Roboto Mono"/>
               <a:ea typeface="Roboto Mono"/>
               <a:cs typeface="Roboto Mono"/>
@@ -13054,7 +12991,7 @@
               <a:buNone/>
             </a:pPr>
             <a:r>
-              <a:rPr lang="de" sz="1300">
+              <a:rPr lang="de" sz="1300" dirty="0">
                 <a:latin typeface="Roboto Mono"/>
                 <a:ea typeface="Roboto Mono"/>
                 <a:cs typeface="Roboto Mono"/>
@@ -13062,7 +12999,7 @@
               </a:rPr>
               <a:t>    	MethodModifier*</a:t>
             </a:r>
-            <a:endParaRPr sz="1300">
+            <a:endParaRPr sz="1300" dirty="0">
               <a:latin typeface="Roboto Mono"/>
               <a:ea typeface="Roboto Mono"/>
               <a:cs typeface="Roboto Mono"/>
@@ -13085,7 +13022,7 @@
               <a:buNone/>
             </a:pPr>
             <a:r>
-              <a:rPr lang="de" sz="1300">
+              <a:rPr lang="de" sz="1300" dirty="0">
                 <a:latin typeface="Roboto Mono"/>
                 <a:ea typeface="Roboto Mono"/>
                 <a:cs typeface="Roboto Mono"/>
@@ -13094,7 +13031,7 @@
               <a:t>    	[</a:t>
             </a:r>
             <a:r>
-              <a:rPr lang="de" sz="1300">
+              <a:rPr lang="de" sz="1300" dirty="0">
                 <a:solidFill>
                   <a:schemeClr val="accent3"/>
                 </a:solidFill>
@@ -13106,7 +13043,7 @@
               <a:t>"static"</a:t>
             </a:r>
             <a:r>
-              <a:rPr lang="de" sz="1300">
+              <a:rPr lang="de" sz="1300" dirty="0">
                 <a:latin typeface="Roboto Mono"/>
                 <a:ea typeface="Roboto Mono"/>
                 <a:cs typeface="Roboto Mono"/>
@@ -13114,7 +13051,7 @@
               </a:rPr>
               <a:t>]?</a:t>
             </a:r>
-            <a:endParaRPr sz="1300">
+            <a:endParaRPr sz="1300" dirty="0">
               <a:latin typeface="Roboto Mono"/>
               <a:ea typeface="Roboto Mono"/>
               <a:cs typeface="Roboto Mono"/>
@@ -13137,7 +13074,7 @@
               <a:buNone/>
             </a:pPr>
             <a:r>
-              <a:rPr lang="de" sz="1300">
+              <a:rPr lang="de" sz="1300" dirty="0">
                 <a:latin typeface="Roboto Mono"/>
                 <a:ea typeface="Roboto Mono"/>
                 <a:cs typeface="Roboto Mono"/>
@@ -13145,7 +13082,7 @@
               </a:rPr>
               <a:t>    	Name</a:t>
             </a:r>
-            <a:endParaRPr sz="1300">
+            <a:endParaRPr sz="1300" dirty="0">
               <a:latin typeface="Roboto Mono"/>
               <a:ea typeface="Roboto Mono"/>
               <a:cs typeface="Roboto Mono"/>
@@ -13168,15 +13105,67 @@
               <a:buNone/>
             </a:pPr>
             <a:r>
-              <a:rPr lang="de" sz="1300">
-                <a:latin typeface="Roboto Mono"/>
-                <a:ea typeface="Roboto Mono"/>
-                <a:cs typeface="Roboto Mono"/>
-                <a:sym typeface="Roboto Mono"/>
-              </a:rPr>
-              <a:t>    	Args?</a:t>
-            </a:r>
-            <a:endParaRPr sz="1300">
+              <a:rPr lang="de" sz="1300" dirty="0">
+                <a:latin typeface="Roboto Mono"/>
+                <a:ea typeface="Roboto Mono"/>
+                <a:cs typeface="Roboto Mono"/>
+                <a:sym typeface="Roboto Mono"/>
+              </a:rPr>
+              <a:t>    	Arg</a:t>
+            </a:r>
+            <a:r>
+              <a:rPr lang="de-DE" sz="1300" dirty="0" err="1">
+                <a:latin typeface="Roboto Mono"/>
+                <a:ea typeface="Roboto Mono"/>
+                <a:cs typeface="Roboto Mono"/>
+                <a:sym typeface="Roboto Mono"/>
+              </a:rPr>
+              <a:t>uments</a:t>
+            </a:r>
+            <a:r>
+              <a:rPr lang="de-DE" sz="1300" dirty="0">
+                <a:latin typeface="Roboto Mono"/>
+                <a:ea typeface="Roboto Mono"/>
+                <a:cs typeface="Roboto Mono"/>
+                <a:sym typeface="Roboto Mono"/>
+              </a:rPr>
+              <a:t>?</a:t>
+            </a:r>
+          </a:p>
+          <a:p>
+            <a:pPr marL="0" marR="0" lvl="0" indent="0" algn="l" rtl="0">
+              <a:spcBef>
+                <a:spcPts val="0"/>
+              </a:spcBef>
+              <a:spcAft>
+                <a:spcPts val="0"/>
+              </a:spcAft>
+              <a:buClr>
+                <a:schemeClr val="dk1"/>
+              </a:buClr>
+              <a:buSzPts val="1100"/>
+              <a:buFont typeface="Arial"/>
+              <a:buNone/>
+            </a:pPr>
+            <a:r>
+              <a:rPr lang="de" sz="1300" dirty="0">
+                <a:latin typeface="Roboto Mono"/>
+                <a:ea typeface="Roboto Mono"/>
+                <a:cs typeface="Roboto Mono"/>
+                <a:sym typeface="Roboto Mono"/>
+              </a:rPr>
+              <a:t>  </a:t>
+            </a:r>
+            <a:r>
+              <a:rPr lang="de" sz="1300" b="1" dirty="0">
+                <a:latin typeface="Roboto Mono"/>
+                <a:ea typeface="Roboto Mono"/>
+                <a:cs typeface="Roboto Mono"/>
+                <a:sym typeface="Roboto Mono"/>
+              </a:rPr>
+              <a:t>;</a:t>
+            </a:r>
+            <a:endParaRPr sz="1300" b="1" dirty="0">
               <a:latin typeface="Roboto Mono"/>
               <a:ea typeface="Roboto Mono"/>
               <a:cs typeface="Roboto Mono"/>
@@ -13198,25 +13187,7 @@
               <a:buFont typeface="Arial"/>
               <a:buNone/>
             </a:pPr>
-            <a:r>
-              <a:rPr lang="de" sz="1300">
-                <a:latin typeface="Roboto Mono"/>
-                <a:ea typeface="Roboto Mono"/>
-                <a:cs typeface="Roboto Mono"/>
-                <a:sym typeface="Roboto Mono"/>
-              </a:rPr>
-              <a:t>  </a:t>
-            </a:r>
-            <a:r>
-              <a:rPr lang="de" sz="1300" b="1">
-                <a:latin typeface="Roboto Mono"/>
-                <a:ea typeface="Roboto Mono"/>
-                <a:cs typeface="Roboto Mono"/>
-                <a:sym typeface="Roboto Mono"/>
-              </a:rPr>
-              <a:t>;</a:t>
-            </a:r>
-            <a:endParaRPr sz="1300" b="1">
+            <a:endParaRPr sz="1300" dirty="0">
               <a:latin typeface="Roboto Mono"/>
               <a:ea typeface="Roboto Mono"/>
               <a:cs typeface="Roboto Mono"/>
@@ -13238,7 +13209,34 @@
               <a:buFont typeface="Arial"/>
               <a:buNone/>
             </a:pPr>
-            <a:endParaRPr sz="1300">
+            <a:r>
+              <a:rPr lang="de" sz="1300" dirty="0">
+                <a:latin typeface="Roboto Mono"/>
+                <a:ea typeface="Roboto Mono"/>
+                <a:cs typeface="Roboto Mono"/>
+                <a:sym typeface="Roboto Mono"/>
+              </a:rPr>
+              <a:t>  </a:t>
+            </a:r>
+            <a:r>
+              <a:rPr lang="de" sz="1300" b="1" dirty="0">
+                <a:latin typeface="Roboto Mono"/>
+                <a:ea typeface="Roboto Mono"/>
+                <a:cs typeface="Roboto Mono"/>
+                <a:sym typeface="Roboto Mono"/>
+              </a:rPr>
+              <a:t>interface</a:t>
+            </a:r>
+            <a:r>
+              <a:rPr lang="de" sz="1300" dirty="0">
+                <a:latin typeface="Roboto Mono"/>
+                <a:ea typeface="Roboto Mono"/>
+                <a:cs typeface="Roboto Mono"/>
+                <a:sym typeface="Roboto Mono"/>
+              </a:rPr>
+              <a:t> MethodModifier;</a:t>
+            </a:r>
+            <a:endParaRPr sz="1300" dirty="0">
               <a:latin typeface="Roboto Mono"/>
               <a:ea typeface="Roboto Mono"/>
               <a:cs typeface="Roboto Mono"/>
@@ -13260,34 +13258,7 @@
               <a:buFont typeface="Arial"/>
               <a:buNone/>
             </a:pPr>
-            <a:r>
-              <a:rPr lang="de" sz="1300">
-                <a:latin typeface="Roboto Mono"/>
-                <a:ea typeface="Roboto Mono"/>
-                <a:cs typeface="Roboto Mono"/>
-                <a:sym typeface="Roboto Mono"/>
-              </a:rPr>
-              <a:t>  </a:t>
-            </a:r>
-            <a:r>
-              <a:rPr lang="de" sz="1300" b="1">
-                <a:latin typeface="Roboto Mono"/>
-                <a:ea typeface="Roboto Mono"/>
-                <a:cs typeface="Roboto Mono"/>
-                <a:sym typeface="Roboto Mono"/>
-              </a:rPr>
-              <a:t>interface</a:t>
-            </a:r>
-            <a:r>
-              <a:rPr lang="de" sz="1300">
-                <a:latin typeface="Roboto Mono"/>
-                <a:ea typeface="Roboto Mono"/>
-                <a:cs typeface="Roboto Mono"/>
-                <a:sym typeface="Roboto Mono"/>
-              </a:rPr>
-              <a:t> MethodModifier;</a:t>
-            </a:r>
-            <a:endParaRPr sz="1300">
+            <a:endParaRPr sz="1300" dirty="0">
               <a:latin typeface="Roboto Mono"/>
               <a:ea typeface="Roboto Mono"/>
               <a:cs typeface="Roboto Mono"/>
@@ -13309,7 +13280,34 @@
               <a:buFont typeface="Arial"/>
               <a:buNone/>
             </a:pPr>
-            <a:endParaRPr sz="1300">
+            <a:r>
+              <a:rPr lang="de" sz="1300" dirty="0">
+                <a:latin typeface="Roboto Mono"/>
+                <a:ea typeface="Roboto Mono"/>
+                <a:cs typeface="Roboto Mono"/>
+                <a:sym typeface="Roboto Mono"/>
+              </a:rPr>
+              <a:t>  TriggerModifier </a:t>
+            </a:r>
+            <a:r>
+              <a:rPr lang="de" sz="1300" b="1" dirty="0">
+                <a:latin typeface="Roboto Mono"/>
+                <a:ea typeface="Roboto Mono"/>
+                <a:cs typeface="Roboto Mono"/>
+                <a:sym typeface="Roboto Mono"/>
+              </a:rPr>
+              <a:t>implements</a:t>
+            </a:r>
+            <a:r>
+              <a:rPr lang="de" sz="1300" dirty="0">
+                <a:latin typeface="Roboto Mono"/>
+                <a:ea typeface="Roboto Mono"/>
+                <a:cs typeface="Roboto Mono"/>
+                <a:sym typeface="Roboto Mono"/>
+              </a:rPr>
+              <a:t> MethodModifier =</a:t>
+            </a:r>
+            <a:endParaRPr sz="1300" dirty="0">
               <a:latin typeface="Roboto Mono"/>
               <a:ea typeface="Roboto Mono"/>
               <a:cs typeface="Roboto Mono"/>
@@ -13332,56 +13330,7 @@
               <a:buNone/>
             </a:pPr>
             <a:r>
-              <a:rPr lang="de" sz="1300">
-                <a:latin typeface="Roboto Mono"/>
-                <a:ea typeface="Roboto Mono"/>
-                <a:cs typeface="Roboto Mono"/>
-                <a:sym typeface="Roboto Mono"/>
-              </a:rPr>
-              <a:t>  TriggerModifier </a:t>
-            </a:r>
-            <a:r>
-              <a:rPr lang="de" sz="1300" b="1">
-                <a:latin typeface="Roboto Mono"/>
-                <a:ea typeface="Roboto Mono"/>
-                <a:cs typeface="Roboto Mono"/>
-                <a:sym typeface="Roboto Mono"/>
-              </a:rPr>
-              <a:t>implements</a:t>
-            </a:r>
-            <a:r>
-              <a:rPr lang="de" sz="1300">
-                <a:latin typeface="Roboto Mono"/>
-                <a:ea typeface="Roboto Mono"/>
-                <a:cs typeface="Roboto Mono"/>
-                <a:sym typeface="Roboto Mono"/>
-              </a:rPr>
-              <a:t> MethodModifier =</a:t>
-            </a:r>
-            <a:endParaRPr sz="1300">
-              <a:latin typeface="Roboto Mono"/>
-              <a:ea typeface="Roboto Mono"/>
-              <a:cs typeface="Roboto Mono"/>
-              <a:sym typeface="Roboto Mono"/>
-            </a:endParaRPr>
-          </a:p>
-          <a:p>
-            <a:pPr marL="0" marR="0" lvl="0" indent="0" algn="l" rtl="0">
-              <a:spcBef>
-                <a:spcPts val="0"/>
-              </a:spcBef>
-              <a:spcAft>
-                <a:spcPts val="0"/>
-              </a:spcAft>
-              <a:buClr>
-                <a:schemeClr val="dk1"/>
-              </a:buClr>
-              <a:buSzPts val="1100"/>
-              <a:buFont typeface="Arial"/>
-              <a:buNone/>
-            </a:pPr>
-            <a:r>
-              <a:rPr lang="de" sz="1300">
+              <a:rPr lang="de" sz="1300" dirty="0">
                 <a:latin typeface="Roboto Mono"/>
                 <a:ea typeface="Roboto Mono"/>
                 <a:cs typeface="Roboto Mono"/>
@@ -13390,7 +13339,7 @@
               <a:t>    	</a:t>
             </a:r>
             <a:r>
-              <a:rPr lang="de" sz="1300">
+              <a:rPr lang="de" sz="1300" dirty="0">
                 <a:solidFill>
                   <a:schemeClr val="accent3"/>
                 </a:solidFill>
@@ -13401,7 +13350,7 @@
               </a:rPr>
               <a:t>"trigger"</a:t>
             </a:r>
-            <a:endParaRPr sz="1300">
+            <a:endParaRPr sz="1300" dirty="0">
               <a:solidFill>
                 <a:schemeClr val="accent3"/>
               </a:solidFill>
@@ -13422,7 +13371,7 @@
               <a:buNone/>
             </a:pPr>
             <a:r>
-              <a:rPr lang="de" sz="1300">
+              <a:rPr lang="de" sz="1300" dirty="0">
                 <a:latin typeface="Roboto Mono"/>
                 <a:ea typeface="Roboto Mono"/>
                 <a:cs typeface="Roboto Mono"/>
@@ -13431,7 +13380,7 @@
               <a:t>  </a:t>
             </a:r>
             <a:r>
-              <a:rPr lang="de" sz="1300" b="1">
+              <a:rPr lang="de" sz="1300" b="1" dirty="0">
                 <a:latin typeface="Roboto Mono"/>
                 <a:ea typeface="Roboto Mono"/>
                 <a:cs typeface="Roboto Mono"/>
@@ -13440,7 +13389,7 @@
               <a:t>;</a:t>
             </a:r>
             <a:r>
-              <a:rPr lang="de" sz="1300">
+              <a:rPr lang="de" sz="1300" dirty="0">
                 <a:solidFill>
                   <a:schemeClr val="accent3"/>
                 </a:solidFill>
@@ -13451,7 +13400,7 @@
               </a:rPr>
               <a:t>  </a:t>
             </a:r>
-            <a:endParaRPr sz="1300">
+            <a:endParaRPr sz="1300" dirty="0">
               <a:solidFill>
                 <a:schemeClr val="accent3"/>
               </a:solidFill>
@@ -13471,7 +13420,7 @@
               </a:spcAft>
               <a:buNone/>
             </a:pPr>
-            <a:endParaRPr sz="1300">
+            <a:endParaRPr sz="1300" dirty="0">
               <a:solidFill>
                 <a:srgbClr val="666666"/>
               </a:solidFill>
@@ -13492,7 +13441,7 @@
               <a:buNone/>
             </a:pPr>
             <a:r>
-              <a:rPr lang="de" sz="1300">
+              <a:rPr lang="de" sz="1300" dirty="0">
                 <a:solidFill>
                   <a:srgbClr val="666666"/>
                 </a:solidFill>
@@ -13503,7 +13452,7 @@
               </a:rPr>
               <a:t>  // ...</a:t>
             </a:r>
-            <a:endParaRPr sz="1300">
+            <a:endParaRPr sz="1300" dirty="0">
               <a:solidFill>
                 <a:srgbClr val="666666"/>
               </a:solidFill>
@@ -13524,7 +13473,7 @@
               <a:buNone/>
             </a:pPr>
             <a:r>
-              <a:rPr lang="de" sz="1300">
+              <a:rPr lang="de" sz="1300" dirty="0">
                 <a:latin typeface="Roboto Mono"/>
                 <a:ea typeface="Roboto Mono"/>
                 <a:cs typeface="Roboto Mono"/>
@@ -13532,7 +13481,7 @@
               </a:rPr>
               <a:t>}</a:t>
             </a:r>
-            <a:endParaRPr sz="1300">
+            <a:endParaRPr sz="1300" dirty="0">
               <a:latin typeface="Roboto Mono"/>
               <a:ea typeface="Roboto Mono"/>
               <a:cs typeface="Roboto Mono"/>
@@ -14340,7 +14289,7 @@
               <a:buNone/>
             </a:pPr>
             <a:r>
-              <a:rPr lang="de" sz="1300" b="1">
+              <a:rPr lang="de" sz="1300" b="1" dirty="0">
                 <a:latin typeface="Roboto Mono"/>
                 <a:ea typeface="Roboto Mono"/>
                 <a:cs typeface="Roboto Mono"/>
@@ -14349,7 +14298,7 @@
               <a:t>component grammar</a:t>
             </a:r>
             <a:r>
-              <a:rPr lang="de" sz="1300">
+              <a:rPr lang="de" sz="1300" dirty="0">
                 <a:latin typeface="Roboto Mono"/>
                 <a:ea typeface="Roboto Mono"/>
                 <a:cs typeface="Roboto Mono"/>
@@ -14357,7 +14306,7 @@
               </a:rPr>
               <a:t> SDBase {</a:t>
             </a:r>
-            <a:endParaRPr sz="1300">
+            <a:endParaRPr sz="1300" dirty="0">
               <a:latin typeface="Roboto Mono"/>
               <a:ea typeface="Roboto Mono"/>
               <a:cs typeface="Roboto Mono"/>
@@ -14374,7 +14323,7 @@
               </a:spcAft>
               <a:buNone/>
             </a:pPr>
-            <a:endParaRPr sz="1300">
+            <a:endParaRPr sz="1300" dirty="0">
               <a:latin typeface="Roboto Mono"/>
               <a:ea typeface="Roboto Mono"/>
               <a:cs typeface="Roboto Mono"/>
@@ -14392,7 +14341,7 @@
               <a:buNone/>
             </a:pPr>
             <a:r>
-              <a:rPr lang="de" sz="1300">
+              <a:rPr lang="de" sz="1300" dirty="0">
                 <a:latin typeface="Roboto Mono"/>
                 <a:ea typeface="Roboto Mono"/>
                 <a:cs typeface="Roboto Mono"/>
@@ -14401,7 +14350,7 @@
               <a:t>  </a:t>
             </a:r>
             <a:r>
-              <a:rPr lang="de" sz="1300" b="1">
+              <a:rPr lang="de" sz="1300" b="1" dirty="0">
                 <a:latin typeface="Roboto Mono"/>
                 <a:ea typeface="Roboto Mono"/>
                 <a:cs typeface="Roboto Mono"/>
@@ -14410,7 +14359,7 @@
               <a:t>symbol scope</a:t>
             </a:r>
             <a:r>
-              <a:rPr lang="de" sz="1300">
+              <a:rPr lang="de" sz="1300" dirty="0">
                 <a:latin typeface="Roboto Mono"/>
                 <a:ea typeface="Roboto Mono"/>
                 <a:cs typeface="Roboto Mono"/>
@@ -14418,7 +14367,7 @@
               </a:rPr>
               <a:t> SequenceDiagram =</a:t>
             </a:r>
-            <a:endParaRPr sz="1300">
+            <a:endParaRPr sz="1300" dirty="0">
               <a:latin typeface="Roboto Mono"/>
               <a:ea typeface="Roboto Mono"/>
               <a:cs typeface="Roboto Mono"/>
@@ -14436,7 +14385,7 @@
               <a:buNone/>
             </a:pPr>
             <a:r>
-              <a:rPr lang="de" sz="1300">
+              <a:rPr lang="de" sz="1300" dirty="0">
                 <a:latin typeface="Roboto Mono"/>
                 <a:ea typeface="Roboto Mono"/>
                 <a:cs typeface="Roboto Mono"/>
@@ -14445,7 +14394,7 @@
               <a:t>     </a:t>
             </a:r>
             <a:r>
-              <a:rPr lang="de" sz="1300">
+              <a:rPr lang="de" sz="1300" dirty="0">
                 <a:solidFill>
                   <a:schemeClr val="dk1"/>
                 </a:solidFill>
@@ -14456,7 +14405,7 @@
               </a:rPr>
               <a:t>MatchModifier?</a:t>
             </a:r>
-            <a:endParaRPr sz="1300">
+            <a:endParaRPr sz="1300" dirty="0">
               <a:latin typeface="Roboto Mono"/>
               <a:ea typeface="Roboto Mono"/>
               <a:cs typeface="Roboto Mono"/>
@@ -14474,7 +14423,7 @@
               <a:buNone/>
             </a:pPr>
             <a:r>
-              <a:rPr lang="de" sz="1300">
+              <a:rPr lang="de" sz="1300" dirty="0">
                 <a:solidFill>
                   <a:schemeClr val="accent3"/>
                 </a:solidFill>
@@ -14485,7 +14434,7 @@
               </a:rPr>
               <a:t>“sequencediagram”</a:t>
             </a:r>
-            <a:endParaRPr sz="1300">
+            <a:endParaRPr sz="1300" dirty="0">
               <a:latin typeface="Roboto Mono"/>
               <a:ea typeface="Roboto Mono"/>
               <a:cs typeface="Roboto Mono"/>
@@ -14503,7 +14452,7 @@
               <a:buNone/>
             </a:pPr>
             <a:r>
-              <a:rPr lang="de" sz="1300">
+              <a:rPr lang="de" sz="1300" dirty="0">
                 <a:latin typeface="Roboto Mono"/>
                 <a:ea typeface="Roboto Mono"/>
                 <a:cs typeface="Roboto Mono"/>
@@ -14512,7 +14461,7 @@
               <a:t>	Name </a:t>
             </a:r>
             <a:r>
-              <a:rPr lang="de" sz="1300">
+              <a:rPr lang="de" sz="1300" dirty="0">
                 <a:solidFill>
                   <a:schemeClr val="accent3"/>
                 </a:solidFill>
@@ -14523,7 +14472,7 @@
               </a:rPr>
               <a:t>“{“</a:t>
             </a:r>
-            <a:endParaRPr sz="1300">
+            <a:endParaRPr sz="1300" dirty="0">
               <a:solidFill>
                 <a:schemeClr val="accent3"/>
               </a:solidFill>
@@ -14544,7 +14493,7 @@
               <a:buNone/>
             </a:pPr>
             <a:r>
-              <a:rPr lang="de" sz="1300">
+              <a:rPr lang="de" sz="1300" dirty="0">
                 <a:latin typeface="Roboto Mono"/>
                 <a:ea typeface="Roboto Mono"/>
                 <a:cs typeface="Roboto Mono"/>
@@ -14552,7 +14501,7 @@
               </a:rPr>
               <a:t>	  SDObject*</a:t>
             </a:r>
-            <a:endParaRPr sz="1300">
+            <a:endParaRPr sz="1300" dirty="0">
               <a:latin typeface="Roboto Mono"/>
               <a:ea typeface="Roboto Mono"/>
               <a:cs typeface="Roboto Mono"/>
@@ -14570,7 +14519,7 @@
               <a:buNone/>
             </a:pPr>
             <a:r>
-              <a:rPr lang="de" sz="1300">
+              <a:rPr lang="de" sz="1300" dirty="0">
                 <a:latin typeface="Roboto Mono"/>
                 <a:ea typeface="Roboto Mono"/>
                 <a:cs typeface="Roboto Mono"/>
@@ -14578,7 +14527,7 @@
               </a:rPr>
               <a:t>	  SDElement*</a:t>
             </a:r>
-            <a:endParaRPr sz="1300">
+            <a:endParaRPr sz="1300" dirty="0">
               <a:latin typeface="Roboto Mono"/>
               <a:ea typeface="Roboto Mono"/>
               <a:cs typeface="Roboto Mono"/>
@@ -14596,7 +14545,7 @@
               <a:buNone/>
             </a:pPr>
             <a:r>
-              <a:rPr lang="de" sz="1300">
+              <a:rPr lang="de" sz="1300" dirty="0">
                 <a:latin typeface="Roboto Mono"/>
                 <a:ea typeface="Roboto Mono"/>
                 <a:cs typeface="Roboto Mono"/>
@@ -14605,7 +14554,7 @@
               <a:t>	</a:t>
             </a:r>
             <a:r>
-              <a:rPr lang="de" sz="1300">
+              <a:rPr lang="de" sz="1300" dirty="0">
                 <a:solidFill>
                   <a:schemeClr val="accent3"/>
                 </a:solidFill>
@@ -14616,7 +14565,7 @@
               </a:rPr>
               <a:t>“}”</a:t>
             </a:r>
-            <a:endParaRPr sz="1300">
+            <a:endParaRPr sz="1300" dirty="0">
               <a:solidFill>
                 <a:schemeClr val="accent3"/>
               </a:solidFill>
@@ -14637,7 +14586,7 @@
               <a:buNone/>
             </a:pPr>
             <a:r>
-              <a:rPr lang="de" sz="1300">
+              <a:rPr lang="de" sz="1300" dirty="0">
                 <a:latin typeface="Roboto Mono"/>
                 <a:ea typeface="Roboto Mono"/>
                 <a:cs typeface="Roboto Mono"/>
@@ -14646,7 +14595,7 @@
               <a:t>  </a:t>
             </a:r>
             <a:r>
-              <a:rPr lang="de" sz="1300" b="1">
+              <a:rPr lang="de" sz="1300" b="1" dirty="0">
                 <a:latin typeface="Roboto Mono"/>
                 <a:ea typeface="Roboto Mono"/>
                 <a:cs typeface="Roboto Mono"/>
@@ -14654,7 +14603,7 @@
               </a:rPr>
               <a:t>;</a:t>
             </a:r>
-            <a:endParaRPr sz="1300" b="1">
+            <a:endParaRPr sz="1300" b="1" dirty="0">
               <a:latin typeface="Roboto Mono"/>
               <a:ea typeface="Roboto Mono"/>
               <a:cs typeface="Roboto Mono"/>
@@ -14671,7 +14620,7 @@
               </a:spcAft>
               <a:buNone/>
             </a:pPr>
-            <a:endParaRPr sz="1300" b="1">
+            <a:endParaRPr sz="1300" b="1" dirty="0">
               <a:latin typeface="Roboto Mono"/>
               <a:ea typeface="Roboto Mono"/>
               <a:cs typeface="Roboto Mono"/>
@@ -14689,7 +14638,7 @@
               <a:buNone/>
             </a:pPr>
             <a:r>
-              <a:rPr lang="de" sz="1300" b="1">
+              <a:rPr lang="de" sz="1300" b="1" dirty="0">
                 <a:latin typeface="Roboto Mono"/>
                 <a:ea typeface="Roboto Mono"/>
                 <a:cs typeface="Roboto Mono"/>
@@ -14698,7 +14647,7 @@
               <a:t>  interface </a:t>
             </a:r>
             <a:r>
-              <a:rPr lang="de" sz="1300">
+              <a:rPr lang="de" sz="1300" dirty="0">
                 <a:latin typeface="Roboto Mono"/>
                 <a:ea typeface="Roboto Mono"/>
                 <a:cs typeface="Roboto Mono"/>
@@ -14707,7 +14656,7 @@
               <a:t>MatchModifier</a:t>
             </a:r>
             <a:r>
-              <a:rPr lang="de" sz="1300" b="1">
+              <a:rPr lang="de" sz="1300" b="1" dirty="0">
                 <a:latin typeface="Roboto Mono"/>
                 <a:ea typeface="Roboto Mono"/>
                 <a:cs typeface="Roboto Mono"/>
@@ -14715,7 +14664,7 @@
               </a:rPr>
               <a:t>;</a:t>
             </a:r>
-            <a:endParaRPr sz="1300" b="1">
+            <a:endParaRPr sz="1300" b="1" dirty="0">
               <a:latin typeface="Roboto Mono"/>
               <a:ea typeface="Roboto Mono"/>
               <a:cs typeface="Roboto Mono"/>
@@ -14733,7 +14682,7 @@
               <a:buNone/>
             </a:pPr>
             <a:r>
-              <a:rPr lang="de" sz="1300" b="1">
+              <a:rPr lang="de" sz="1300" b="1" dirty="0">
                 <a:latin typeface="Roboto Mono"/>
                 <a:ea typeface="Roboto Mono"/>
                 <a:cs typeface="Roboto Mono"/>
@@ -14742,7 +14691,7 @@
               <a:t>  interface </a:t>
             </a:r>
             <a:r>
-              <a:rPr lang="de" sz="1300">
+              <a:rPr lang="de" sz="1300" dirty="0">
                 <a:latin typeface="Roboto Mono"/>
                 <a:ea typeface="Roboto Mono"/>
                 <a:cs typeface="Roboto Mono"/>
@@ -14751,7 +14700,7 @@
               <a:t>SDElement</a:t>
             </a:r>
             <a:r>
-              <a:rPr lang="de" sz="1300" b="1">
+              <a:rPr lang="de" sz="1300" b="1" dirty="0">
                 <a:latin typeface="Roboto Mono"/>
                 <a:ea typeface="Roboto Mono"/>
                 <a:cs typeface="Roboto Mono"/>
@@ -14759,7 +14708,7 @@
               </a:rPr>
               <a:t>;</a:t>
             </a:r>
-            <a:endParaRPr sz="1300" b="1">
+            <a:endParaRPr sz="1300" b="1" dirty="0">
               <a:latin typeface="Roboto Mono"/>
               <a:ea typeface="Roboto Mono"/>
               <a:cs typeface="Roboto Mono"/>
@@ -14777,7 +14726,7 @@
               <a:buNone/>
             </a:pPr>
             <a:r>
-              <a:rPr lang="de" sz="1300">
+              <a:rPr lang="de" sz="1300" dirty="0">
                 <a:latin typeface="Roboto Mono"/>
                 <a:ea typeface="Roboto Mono"/>
                 <a:cs typeface="Roboto Mono"/>
@@ -14785,7 +14734,7 @@
               </a:rPr>
               <a:t>	</a:t>
             </a:r>
-            <a:endParaRPr sz="1300">
+            <a:endParaRPr sz="1300" dirty="0">
               <a:latin typeface="Roboto Mono"/>
               <a:ea typeface="Roboto Mono"/>
               <a:cs typeface="Roboto Mono"/>
@@ -14803,7 +14752,7 @@
               <a:buNone/>
             </a:pPr>
             <a:r>
-              <a:rPr lang="de" sz="1300">
+              <a:rPr lang="de" sz="1300" dirty="0">
                 <a:latin typeface="Roboto Mono"/>
                 <a:ea typeface="Roboto Mono"/>
                 <a:cs typeface="Roboto Mono"/>
@@ -14812,7 +14761,7 @@
               <a:t>  </a:t>
             </a:r>
             <a:r>
-              <a:rPr lang="de" sz="1300">
+              <a:rPr lang="de" sz="1300" dirty="0">
                 <a:solidFill>
                   <a:srgbClr val="666666"/>
                 </a:solidFill>
@@ -14823,7 +14772,7 @@
               </a:rPr>
               <a:t>// ...</a:t>
             </a:r>
-            <a:endParaRPr sz="1300">
+            <a:endParaRPr sz="1300" dirty="0">
               <a:solidFill>
                 <a:srgbClr val="666666"/>
               </a:solidFill>
@@ -14844,7 +14793,7 @@
               <a:buNone/>
             </a:pPr>
             <a:r>
-              <a:rPr lang="de" sz="1300">
+              <a:rPr lang="de" sz="1300" dirty="0">
                 <a:latin typeface="Roboto Mono"/>
                 <a:ea typeface="Roboto Mono"/>
                 <a:cs typeface="Roboto Mono"/>
@@ -14852,7 +14801,7 @@
               </a:rPr>
               <a:t>}</a:t>
             </a:r>
-            <a:endParaRPr sz="1300">
+            <a:endParaRPr sz="1300" dirty="0">
               <a:latin typeface="Roboto Mono"/>
               <a:ea typeface="Roboto Mono"/>
               <a:cs typeface="Roboto Mono"/>
@@ -14964,11 +14913,11 @@
               <a:buChar char="●"/>
             </a:pPr>
             <a:r>
-              <a:rPr lang="de"/>
+              <a:rPr lang="de" dirty="0"/>
               <a:t>Objekte können einen </a:t>
             </a:r>
             <a:r>
-              <a:rPr lang="de">
+              <a:rPr lang="de" dirty="0">
                 <a:solidFill>
                   <a:srgbClr val="00549F"/>
                 </a:solidFill>
@@ -14976,10 +14925,10 @@
               <a:t>MatchModifier</a:t>
             </a:r>
             <a:r>
-              <a:rPr lang="de"/>
+              <a:rPr lang="de" dirty="0"/>
               <a:t> haben</a:t>
             </a:r>
-            <a:endParaRPr/>
+            <a:endParaRPr dirty="0"/>
           </a:p>
           <a:p>
             <a:pPr marL="914400" lvl="1" indent="-304800" algn="l" rtl="0">
@@ -14993,10 +14942,10 @@
               <a:buChar char="○"/>
             </a:pPr>
             <a:r>
-              <a:rPr lang="de"/>
+              <a:rPr lang="de" dirty="0"/>
               <a:t>erweiterbar</a:t>
             </a:r>
-            <a:endParaRPr/>
+            <a:endParaRPr dirty="0"/>
           </a:p>
           <a:p>
             <a:pPr marL="0" lvl="0" indent="0" algn="l" rtl="0">
@@ -15008,7 +14957,7 @@
               </a:spcAft>
               <a:buNone/>
             </a:pPr>
-            <a:endParaRPr>
+            <a:endParaRPr dirty="0">
               <a:solidFill>
                 <a:srgbClr val="00549F"/>
               </a:solidFill>
@@ -15024,7 +14973,7 @@
               </a:spcAft>
               <a:buNone/>
             </a:pPr>
-            <a:endParaRPr>
+            <a:endParaRPr dirty="0">
               <a:solidFill>
                 <a:srgbClr val="00549F"/>
               </a:solidFill>
@@ -15045,7 +14994,7 @@
               <a:buChar char="●"/>
             </a:pPr>
             <a:r>
-              <a:rPr lang="de">
+              <a:rPr lang="de" dirty="0">
                 <a:solidFill>
                   <a:srgbClr val="00549F"/>
                 </a:solidFill>
@@ -15053,7 +15002,7 @@
               <a:t>Objekt-Referenzen </a:t>
             </a:r>
             <a:r>
-              <a:rPr lang="de">
+              <a:rPr lang="de" dirty="0">
                 <a:solidFill>
                   <a:srgbClr val="2B2B2B"/>
                 </a:solidFill>
@@ -15061,14 +15010,14 @@
               <a:t>verweisen auf </a:t>
             </a:r>
             <a:r>
-              <a:rPr lang="de">
+              <a:rPr lang="de" dirty="0">
                 <a:solidFill>
                   <a:srgbClr val="00549F"/>
                 </a:solidFill>
               </a:rPr>
               <a:t>Objekt-Deklarationen</a:t>
             </a:r>
-            <a:endParaRPr>
+            <a:endParaRPr dirty="0">
               <a:solidFill>
                 <a:srgbClr val="00549F"/>
               </a:solidFill>
@@ -15089,7 +15038,7 @@
               <a:buChar char="○"/>
             </a:pPr>
             <a:r>
-              <a:rPr lang="de">
+              <a:rPr lang="de" dirty="0">
                 <a:solidFill>
                   <a:srgbClr val="2B2B2B"/>
                 </a:solidFill>
@@ -15097,14 +15046,14 @@
               <a:t>oder definieren selbst eine </a:t>
             </a:r>
             <a:r>
-              <a:rPr lang="de">
+              <a:rPr lang="de" dirty="0">
                 <a:solidFill>
                   <a:srgbClr val="00549F"/>
                 </a:solidFill>
               </a:rPr>
               <a:t>inline</a:t>
             </a:r>
-            <a:endParaRPr>
+            <a:endParaRPr dirty="0">
               <a:solidFill>
                 <a:srgbClr val="00549F"/>
               </a:solidFill>
@@ -15120,7 +15069,7 @@
               </a:spcAft>
               <a:buNone/>
             </a:pPr>
-            <a:endParaRPr/>
+            <a:endParaRPr dirty="0"/>
           </a:p>
         </p:txBody>
       </p:sp>
@@ -15165,7 +15114,7 @@
               <a:buNone/>
             </a:pPr>
             <a:r>
-              <a:rPr lang="de" sz="1200" b="1">
+              <a:rPr lang="de" sz="1200" b="1" dirty="0">
                 <a:latin typeface="Roboto Mono"/>
                 <a:ea typeface="Roboto Mono"/>
                 <a:cs typeface="Roboto Mono"/>
@@ -15174,7 +15123,7 @@
               <a:t>component grammar</a:t>
             </a:r>
             <a:r>
-              <a:rPr lang="de" sz="1200">
+              <a:rPr lang="de" sz="1200" dirty="0">
                 <a:latin typeface="Roboto Mono"/>
                 <a:ea typeface="Roboto Mono"/>
                 <a:cs typeface="Roboto Mono"/>
@@ -15182,7 +15131,7 @@
               </a:rPr>
               <a:t> SDBase {</a:t>
             </a:r>
-            <a:endParaRPr sz="1200">
+            <a:endParaRPr sz="1200" dirty="0">
               <a:latin typeface="Roboto Mono"/>
               <a:ea typeface="Roboto Mono"/>
               <a:cs typeface="Roboto Mono"/>
@@ -15199,7 +15148,7 @@
               </a:spcAft>
               <a:buNone/>
             </a:pPr>
-            <a:endParaRPr sz="1200">
+            <a:endParaRPr sz="1200" dirty="0">
               <a:latin typeface="Roboto Mono"/>
               <a:ea typeface="Roboto Mono"/>
               <a:cs typeface="Roboto Mono"/>
@@ -15217,7 +15166,7 @@
               <a:buNone/>
             </a:pPr>
             <a:r>
-              <a:rPr lang="de" sz="1200">
+              <a:rPr lang="de" sz="1200" dirty="0">
                 <a:latin typeface="Roboto Mono"/>
                 <a:ea typeface="Roboto Mono"/>
                 <a:cs typeface="Roboto Mono"/>
@@ -15226,7 +15175,7 @@
               <a:t>  SDObject</a:t>
             </a:r>
             <a:r>
-              <a:rPr lang="de" sz="1200" b="1">
+              <a:rPr lang="de" sz="1200" b="1" dirty="0">
                 <a:latin typeface="Roboto Mono"/>
                 <a:ea typeface="Roboto Mono"/>
                 <a:cs typeface="Roboto Mono"/>
@@ -15234,7 +15183,7 @@
               </a:rPr>
               <a:t> = </a:t>
             </a:r>
-            <a:endParaRPr sz="1200" b="1">
+            <a:endParaRPr sz="1200" b="1" dirty="0">
               <a:latin typeface="Roboto Mono"/>
               <a:ea typeface="Roboto Mono"/>
               <a:cs typeface="Roboto Mono"/>
@@ -15253,7 +15202,7 @@
               <a:buNone/>
             </a:pPr>
             <a:r>
-              <a:rPr lang="de" sz="1200">
+              <a:rPr lang="de" sz="1200" dirty="0">
                 <a:latin typeface="Roboto Mono"/>
                 <a:ea typeface="Roboto Mono"/>
                 <a:cs typeface="Roboto Mono"/>
@@ -15261,7 +15210,7 @@
               </a:rPr>
               <a:t>    MatchModifier? </a:t>
             </a:r>
-            <a:endParaRPr sz="1200">
+            <a:endParaRPr sz="1200" dirty="0">
               <a:latin typeface="Roboto Mono"/>
               <a:ea typeface="Roboto Mono"/>
               <a:cs typeface="Roboto Mono"/>
@@ -15284,7 +15233,7 @@
               <a:buNone/>
             </a:pPr>
             <a:r>
-              <a:rPr lang="de" sz="1200">
+              <a:rPr lang="de" sz="1200" dirty="0">
                 <a:latin typeface="Roboto Mono"/>
                 <a:ea typeface="Roboto Mono"/>
                 <a:cs typeface="Roboto Mono"/>
@@ -15292,7 +15241,7 @@
               </a:rPr>
               <a:t>    ObjectDeclaration</a:t>
             </a:r>
-            <a:endParaRPr sz="1200">
+            <a:endParaRPr sz="1200" dirty="0">
               <a:latin typeface="Roboto Mono"/>
               <a:ea typeface="Roboto Mono"/>
               <a:cs typeface="Roboto Mono"/>
@@ -15310,7 +15259,7 @@
               <a:buNone/>
             </a:pPr>
             <a:r>
-              <a:rPr lang="de" sz="1200">
+              <a:rPr lang="de" sz="1200" dirty="0">
                 <a:latin typeface="Roboto Mono"/>
                 <a:ea typeface="Roboto Mono"/>
                 <a:cs typeface="Roboto Mono"/>
@@ -15319,7 +15268,7 @@
               <a:t>  </a:t>
             </a:r>
             <a:r>
-              <a:rPr lang="de" sz="1200" b="1">
+              <a:rPr lang="de" sz="1200" b="1" dirty="0">
                 <a:latin typeface="Roboto Mono"/>
                 <a:ea typeface="Roboto Mono"/>
                 <a:cs typeface="Roboto Mono"/>
@@ -15327,7 +15276,7 @@
               </a:rPr>
               <a:t>;</a:t>
             </a:r>
-            <a:endParaRPr sz="1200" b="1">
+            <a:endParaRPr sz="1200" b="1" dirty="0">
               <a:latin typeface="Roboto Mono"/>
               <a:ea typeface="Roboto Mono"/>
               <a:cs typeface="Roboto Mono"/>
@@ -15344,7 +15293,7 @@
               </a:spcAft>
               <a:buNone/>
             </a:pPr>
-            <a:endParaRPr sz="1200" b="1">
+            <a:endParaRPr sz="1200" b="1" dirty="0">
               <a:latin typeface="Roboto Mono"/>
               <a:ea typeface="Roboto Mono"/>
               <a:cs typeface="Roboto Mono"/>
@@ -15362,7 +15311,7 @@
               <a:buNone/>
             </a:pPr>
             <a:r>
-              <a:rPr lang="de" sz="1200" b="1">
+              <a:rPr lang="de" sz="1200" b="1" dirty="0">
                 <a:latin typeface="Roboto Mono"/>
                 <a:ea typeface="Roboto Mono"/>
                 <a:cs typeface="Roboto Mono"/>
@@ -15371,7 +15320,7 @@
               <a:t>  interface </a:t>
             </a:r>
             <a:r>
-              <a:rPr lang="de" sz="1200">
+              <a:rPr lang="de" sz="1200" dirty="0">
                 <a:latin typeface="Roboto Mono"/>
                 <a:ea typeface="Roboto Mono"/>
                 <a:cs typeface="Roboto Mono"/>
@@ -15379,7 +15328,7 @@
               </a:rPr>
               <a:t>ObjectDeclaration =</a:t>
             </a:r>
-            <a:endParaRPr sz="1200">
+            <a:endParaRPr sz="1200" dirty="0">
               <a:latin typeface="Roboto Mono"/>
               <a:ea typeface="Roboto Mono"/>
               <a:cs typeface="Roboto Mono"/>
@@ -15397,7 +15346,7 @@
               <a:buNone/>
             </a:pPr>
             <a:r>
-              <a:rPr lang="de" sz="1200">
+              <a:rPr lang="de" sz="1200" dirty="0">
                 <a:latin typeface="Roboto Mono"/>
                 <a:ea typeface="Roboto Mono"/>
                 <a:cs typeface="Roboto Mono"/>
@@ -15405,7 +15354,7 @@
               </a:rPr>
               <a:t>    Name</a:t>
             </a:r>
-            <a:endParaRPr sz="1200">
+            <a:endParaRPr sz="1200" dirty="0">
               <a:latin typeface="Roboto Mono"/>
               <a:ea typeface="Roboto Mono"/>
               <a:cs typeface="Roboto Mono"/>
@@ -15423,7 +15372,7 @@
               <a:buNone/>
             </a:pPr>
             <a:r>
-              <a:rPr lang="de" sz="1200" b="1">
+              <a:rPr lang="de" sz="1200" b="1" dirty="0">
                 <a:latin typeface="Roboto Mono"/>
                 <a:ea typeface="Roboto Mono"/>
                 <a:cs typeface="Roboto Mono"/>
@@ -15431,7 +15380,7 @@
               </a:rPr>
               <a:t>  ;</a:t>
             </a:r>
-            <a:endParaRPr sz="1200">
+            <a:endParaRPr sz="1200" dirty="0">
               <a:latin typeface="Roboto Mono"/>
               <a:ea typeface="Roboto Mono"/>
               <a:cs typeface="Roboto Mono"/>
@@ -15448,7 +15397,7 @@
               </a:spcAft>
               <a:buNone/>
             </a:pPr>
-            <a:endParaRPr sz="1200">
+            <a:endParaRPr sz="1200" dirty="0">
               <a:latin typeface="Roboto Mono"/>
               <a:ea typeface="Roboto Mono"/>
               <a:cs typeface="Roboto Mono"/>
@@ -15471,7 +15420,7 @@
               <a:buNone/>
             </a:pPr>
             <a:r>
-              <a:rPr lang="de" sz="1200">
+              <a:rPr lang="de" sz="1200" dirty="0">
                 <a:latin typeface="Roboto Mono"/>
                 <a:ea typeface="Roboto Mono"/>
                 <a:cs typeface="Roboto Mono"/>
@@ -15479,7 +15428,7 @@
               </a:rPr>
               <a:t>  ObjectReference =</a:t>
             </a:r>
-            <a:endParaRPr sz="1200">
+            <a:endParaRPr sz="1200" dirty="0">
               <a:latin typeface="Roboto Mono"/>
               <a:ea typeface="Roboto Mono"/>
               <a:cs typeface="Roboto Mono"/>
@@ -15502,34 +15451,16 @@
               <a:buNone/>
             </a:pPr>
             <a:r>
-              <a:rPr lang="de" sz="1200">
-                <a:latin typeface="Roboto Mono"/>
-                <a:ea typeface="Roboto Mono"/>
-                <a:cs typeface="Roboto Mono"/>
-                <a:sym typeface="Roboto Mono"/>
-              </a:rPr>
-              <a:t>    Name@ObjectDeclaration</a:t>
-            </a:r>
-            <a:endParaRPr sz="1200">
-              <a:latin typeface="Roboto Mono"/>
-              <a:ea typeface="Roboto Mono"/>
-              <a:cs typeface="Roboto Mono"/>
-              <a:sym typeface="Roboto Mono"/>
-            </a:endParaRPr>
-          </a:p>
-          <a:p>
-            <a:pPr marL="457200" marR="0" lvl="0" indent="0" algn="l" rtl="0">
-              <a:spcBef>
-                <a:spcPts val="0"/>
-              </a:spcBef>
-              <a:spcAft>
-                <a:spcPts val="0"/>
-              </a:spcAft>
-              <a:buSzPts val="1100"/>
-              <a:buNone/>
-            </a:pPr>
-            <a:r>
-              <a:rPr lang="de" sz="1200">
+              <a:rPr lang="de" sz="1200" dirty="0">
+                <a:latin typeface="Roboto Mono"/>
+                <a:ea typeface="Roboto Mono"/>
+                <a:cs typeface="Roboto Mono"/>
+                <a:sym typeface="Roboto Mono"/>
+              </a:rPr>
+              <a:t>    Name</a:t>
+            </a:r>
+            <a:r>
+              <a:rPr lang="de-DE" sz="1200" dirty="0">
                 <a:latin typeface="Roboto Mono"/>
                 <a:ea typeface="Roboto Mono"/>
                 <a:cs typeface="Roboto Mono"/>
@@ -15537,12 +15468,6 @@
               </a:rPr>
               <a:t>| </a:t>
             </a:r>
-            <a:endParaRPr sz="1200">
-              <a:latin typeface="Roboto Mono"/>
-              <a:ea typeface="Roboto Mono"/>
-              <a:cs typeface="Roboto Mono"/>
-              <a:sym typeface="Roboto Mono"/>
-            </a:endParaRPr>
           </a:p>
           <a:p>
             <a:pPr marL="457200" marR="0" lvl="0" indent="0" algn="l" rtl="0">
@@ -15560,7 +15485,7 @@
               <a:buNone/>
             </a:pPr>
             <a:r>
-              <a:rPr lang="de" sz="1200">
+              <a:rPr lang="de" sz="1200" dirty="0">
                 <a:solidFill>
                   <a:schemeClr val="accent3"/>
                 </a:solidFill>
@@ -15572,7 +15497,7 @@
               <a:t>"("</a:t>
             </a:r>
             <a:r>
-              <a:rPr lang="de" sz="1200">
+              <a:rPr lang="de" sz="1200" dirty="0">
                 <a:latin typeface="Roboto Mono"/>
                 <a:ea typeface="Roboto Mono"/>
                 <a:cs typeface="Roboto Mono"/>
@@ -15581,7 +15506,7 @@
               <a:t> inlineDeclaration:ObjectDeclaration </a:t>
             </a:r>
             <a:r>
-              <a:rPr lang="de" sz="1200">
+              <a:rPr lang="de" sz="1200" dirty="0">
                 <a:solidFill>
                   <a:schemeClr val="accent3"/>
                 </a:solidFill>
@@ -15592,7 +15517,7 @@
               </a:rPr>
               <a:t>")"</a:t>
             </a:r>
-            <a:endParaRPr sz="1200">
+            <a:endParaRPr sz="1200" dirty="0">
               <a:solidFill>
                 <a:schemeClr val="accent3"/>
               </a:solidFill>
@@ -15613,7 +15538,7 @@
               <a:buNone/>
             </a:pPr>
             <a:r>
-              <a:rPr lang="de" sz="1200">
+              <a:rPr lang="de" sz="1200" dirty="0">
                 <a:latin typeface="Roboto Mono"/>
                 <a:ea typeface="Roboto Mono"/>
                 <a:cs typeface="Roboto Mono"/>
@@ -15622,7 +15547,7 @@
               <a:t>  </a:t>
             </a:r>
             <a:r>
-              <a:rPr lang="de" sz="1200" b="1">
+              <a:rPr lang="de" sz="1200" b="1" dirty="0">
                 <a:latin typeface="Roboto Mono"/>
                 <a:ea typeface="Roboto Mono"/>
                 <a:cs typeface="Roboto Mono"/>
@@ -15630,7 +15555,7 @@
               </a:rPr>
               <a:t>;</a:t>
             </a:r>
-            <a:endParaRPr sz="1200" b="1">
+            <a:endParaRPr sz="1200" b="1" dirty="0">
               <a:latin typeface="Roboto Mono"/>
               <a:ea typeface="Roboto Mono"/>
               <a:cs typeface="Roboto Mono"/>
@@ -15647,7 +15572,7 @@
               </a:spcAft>
               <a:buNone/>
             </a:pPr>
-            <a:endParaRPr sz="1200">
+            <a:endParaRPr sz="1200" dirty="0">
               <a:latin typeface="Roboto Mono"/>
               <a:ea typeface="Roboto Mono"/>
               <a:cs typeface="Roboto Mono"/>
@@ -15665,7 +15590,7 @@
               <a:buNone/>
             </a:pPr>
             <a:r>
-              <a:rPr lang="de" sz="1200">
+              <a:rPr lang="de" sz="1200" dirty="0">
                 <a:latin typeface="Roboto Mono"/>
                 <a:ea typeface="Roboto Mono"/>
                 <a:cs typeface="Roboto Mono"/>
@@ -15674,7 +15599,7 @@
               <a:t>  </a:t>
             </a:r>
             <a:r>
-              <a:rPr lang="de" sz="1200">
+              <a:rPr lang="de" sz="1200" dirty="0">
                 <a:solidFill>
                   <a:srgbClr val="666666"/>
                 </a:solidFill>
@@ -15685,7 +15610,7 @@
               </a:rPr>
               <a:t>// ...</a:t>
             </a:r>
-            <a:endParaRPr sz="1200">
+            <a:endParaRPr sz="1200" dirty="0">
               <a:solidFill>
                 <a:srgbClr val="666666"/>
               </a:solidFill>
@@ -15706,7 +15631,7 @@
               <a:buNone/>
             </a:pPr>
             <a:r>
-              <a:rPr lang="de" sz="1200">
+              <a:rPr lang="de" sz="1200" dirty="0">
                 <a:latin typeface="Roboto Mono"/>
                 <a:ea typeface="Roboto Mono"/>
                 <a:cs typeface="Roboto Mono"/>
@@ -15714,7 +15639,7 @@
               </a:rPr>
               <a:t>}</a:t>
             </a:r>
-            <a:endParaRPr sz="1200">
+            <a:endParaRPr sz="1200" dirty="0">
               <a:latin typeface="Roboto Mono"/>
               <a:ea typeface="Roboto Mono"/>
               <a:cs typeface="Roboto Mono"/>
